--- a/myvue/vue课件/vue数据驱动原理及简单实现.pptx
+++ b/myvue/vue课件/vue数据驱动原理及简单实现.pptx
@@ -33,35 +33,39 @@
   <p:notesSz cx="6858000" cy="9144000"/>
   <p:embeddedFontLst>
     <p:embeddedFont>
-      <p:font typeface="黑体" pitchFamily="49" charset="-122"/>
+      <p:font typeface="黑体" panose="02010609060101010101" pitchFamily="49" charset="-122"/>
       <p:regular r:id="rId23"/>
     </p:embeddedFont>
     <p:embeddedFont>
-      <p:font typeface="Cambria" pitchFamily="18" charset="0"/>
+      <p:font typeface="HY헤드라인M" panose="02010600030101010101" charset="-122"/>
       <p:regular r:id="rId24"/>
-      <p:bold r:id="rId25"/>
-      <p:italic r:id="rId26"/>
-      <p:boldItalic r:id="rId27"/>
     </p:embeddedFont>
     <p:embeddedFont>
-      <p:font typeface="Enter Sansman"/>
-      <p:regular r:id="rId28"/>
+      <p:font typeface="Calibri" panose="020F0502020204030204" pitchFamily="34" charset="0"/>
+      <p:regular r:id="rId25"/>
+      <p:bold r:id="rId26"/>
+      <p:italic r:id="rId27"/>
+      <p:boldItalic r:id="rId28"/>
     </p:embeddedFont>
     <p:embeddedFont>
-      <p:font typeface="微软雅黑" pitchFamily="34" charset="-122"/>
+      <p:font typeface="Enter Sansman" panose="020B0600050302020204"/>
       <p:regular r:id="rId29"/>
-      <p:bold r:id="rId30"/>
     </p:embeddedFont>
     <p:embeddedFont>
-      <p:font typeface="HY헤드라인M" charset="-122"/>
-      <p:regular r:id="rId31"/>
+      <p:font typeface="Eras Light ITC" panose="020B0402030504020804" pitchFamily="34" charset="0"/>
+      <p:regular r:id="rId30"/>
     </p:embeddedFont>
     <p:embeddedFont>
-      <p:font typeface="Calibri" pitchFamily="34" charset="0"/>
-      <p:regular r:id="rId32"/>
-      <p:bold r:id="rId33"/>
-      <p:italic r:id="rId34"/>
-      <p:boldItalic r:id="rId35"/>
+      <p:font typeface="Cambria" panose="02040503050406030204" pitchFamily="18" charset="0"/>
+      <p:regular r:id="rId31"/>
+      <p:bold r:id="rId32"/>
+      <p:italic r:id="rId33"/>
+      <p:boldItalic r:id="rId34"/>
+    </p:embeddedFont>
+    <p:embeddedFont>
+      <p:font typeface="微软雅黑" panose="020B0503020204020204" pitchFamily="34" charset="-122"/>
+      <p:regular r:id="rId35"/>
+      <p:bold r:id="rId36"/>
     </p:embeddedFont>
   </p:embeddedFontLst>
   <p:defaultTextStyle>
@@ -194,7 +198,27 @@
       </a:defRPr>
     </a:lvl9pPr>
   </p:defaultTextStyle>
+  <p:extLst>
+    <p:ext uri="{EFAFB233-063F-42B5-8137-9DF3F51BA10A}">
+      <p15:sldGuideLst xmlns:p15="http://schemas.microsoft.com/office/powerpoint/2012/main">
+        <p15:guide id="1" orient="horz" pos="2128">
+          <p15:clr>
+            <a:srgbClr val="A4A3A4"/>
+          </p15:clr>
+        </p15:guide>
+        <p15:guide id="2" pos="3848">
+          <p15:clr>
+            <a:srgbClr val="A4A3A4"/>
+          </p15:clr>
+        </p15:guide>
+      </p15:sldGuideLst>
+    </p:ext>
+  </p:extLst>
 </p:presentation>
+</file>
+
+<file path=ppt/revisionInfo.xml><?xml version="1.0" encoding="utf-8"?>
+<p1510:revInfo xmlns:a="http://schemas.openxmlformats.org/drawingml/2006/main" xmlns:r="http://schemas.openxmlformats.org/officeDocument/2006/relationships" xmlns:p1510="http://schemas.microsoft.com/office/powerpoint/2015/10/main"/>
 </file>
 
 <file path=ppt/notesMasters/notesMaster1.xml><?xml version="1.0" encoding="utf-8"?>
@@ -305,7 +329,7 @@
             <a:fld id="{226691A8-E3BF-4C29-ADA0-D1E866D780B8}" type="datetime1">
               <a:rPr lang="zh-CN" altLang="en-US"/>
               <a:pPr/>
-              <a:t>2017/11/16</a:t>
+              <a:t>2017/11/17</a:t>
             </a:fld>
             <a:endParaRPr lang="zh-CN" altLang="en-US" sz="1200"/>
           </a:p>
@@ -688,10 +712,9 @@
           <a:lstStyle/>
           <a:p>
             <a:r>
-              <a:rPr lang="zh-CN" altLang="en-US" smtClean="0"/>
+              <a:rPr lang="zh-CN" altLang="en-US"/>
               <a:t>单击此处编辑母版标题样式</a:t>
             </a:r>
-            <a:endParaRPr lang="zh-CN" altLang="en-US"/>
           </a:p>
         </p:txBody>
       </p:sp>
@@ -753,10 +776,9 @@
           </a:lstStyle>
           <a:p>
             <a:r>
-              <a:rPr lang="zh-CN" altLang="en-US" smtClean="0"/>
+              <a:rPr lang="zh-CN" altLang="en-US"/>
               <a:t>单击此处编辑母版副标题样式</a:t>
             </a:r>
-            <a:endParaRPr lang="zh-CN" altLang="en-US"/>
           </a:p>
         </p:txBody>
       </p:sp>
@@ -782,7 +804,7 @@
             <a:fld id="{4981BC5F-1855-4E04-AC57-990E3C47FC35}" type="datetime1">
               <a:rPr lang="zh-CN" altLang="en-US"/>
               <a:pPr/>
-              <a:t>2017/11/16</a:t>
+              <a:t>2017/11/17</a:t>
             </a:fld>
             <a:endParaRPr lang="zh-CN" altLang="en-US" sz="1800">
               <a:solidFill>
@@ -888,10 +910,9 @@
           <a:lstStyle/>
           <a:p>
             <a:r>
-              <a:rPr lang="zh-CN" altLang="en-US" smtClean="0"/>
+              <a:rPr lang="zh-CN" altLang="en-US"/>
               <a:t>单击此处编辑母版标题样式</a:t>
             </a:r>
-            <a:endParaRPr lang="zh-CN" altLang="en-US"/>
           </a:p>
         </p:txBody>
       </p:sp>
@@ -912,38 +933,37 @@
           <a:p>
             <a:pPr lvl="0"/>
             <a:r>
-              <a:rPr lang="zh-CN" altLang="en-US" smtClean="0"/>
+              <a:rPr lang="zh-CN" altLang="en-US"/>
               <a:t>单击此处编辑母版文本样式</a:t>
             </a:r>
           </a:p>
           <a:p>
             <a:pPr lvl="1"/>
             <a:r>
-              <a:rPr lang="zh-CN" altLang="en-US" smtClean="0"/>
+              <a:rPr lang="zh-CN" altLang="en-US"/>
               <a:t>第二级</a:t>
             </a:r>
           </a:p>
           <a:p>
             <a:pPr lvl="2"/>
             <a:r>
-              <a:rPr lang="zh-CN" altLang="en-US" smtClean="0"/>
+              <a:rPr lang="zh-CN" altLang="en-US"/>
               <a:t>第三级</a:t>
             </a:r>
           </a:p>
           <a:p>
             <a:pPr lvl="3"/>
             <a:r>
-              <a:rPr lang="zh-CN" altLang="en-US" smtClean="0"/>
+              <a:rPr lang="zh-CN" altLang="en-US"/>
               <a:t>第四级</a:t>
             </a:r>
           </a:p>
           <a:p>
             <a:pPr lvl="4"/>
             <a:r>
-              <a:rPr lang="zh-CN" altLang="en-US" smtClean="0"/>
+              <a:rPr lang="zh-CN" altLang="en-US"/>
               <a:t>第五级</a:t>
             </a:r>
-            <a:endParaRPr lang="zh-CN" altLang="en-US"/>
           </a:p>
         </p:txBody>
       </p:sp>
@@ -969,7 +989,7 @@
             <a:fld id="{4981BC5F-1855-4E04-AC57-990E3C47FC35}" type="datetime1">
               <a:rPr lang="zh-CN" altLang="en-US"/>
               <a:pPr/>
-              <a:t>2017/11/16</a:t>
+              <a:t>2017/11/17</a:t>
             </a:fld>
             <a:endParaRPr lang="zh-CN" altLang="en-US" sz="1800">
               <a:solidFill>
@@ -1080,10 +1100,9 @@
           <a:lstStyle/>
           <a:p>
             <a:r>
-              <a:rPr lang="zh-CN" altLang="en-US" smtClean="0"/>
+              <a:rPr lang="zh-CN" altLang="en-US"/>
               <a:t>单击此处编辑母版标题样式</a:t>
             </a:r>
-            <a:endParaRPr lang="zh-CN" altLang="en-US"/>
           </a:p>
         </p:txBody>
       </p:sp>
@@ -1109,38 +1128,37 @@
           <a:p>
             <a:pPr lvl="0"/>
             <a:r>
-              <a:rPr lang="zh-CN" altLang="en-US" smtClean="0"/>
+              <a:rPr lang="zh-CN" altLang="en-US"/>
               <a:t>单击此处编辑母版文本样式</a:t>
             </a:r>
           </a:p>
           <a:p>
             <a:pPr lvl="1"/>
             <a:r>
-              <a:rPr lang="zh-CN" altLang="en-US" smtClean="0"/>
+              <a:rPr lang="zh-CN" altLang="en-US"/>
               <a:t>第二级</a:t>
             </a:r>
           </a:p>
           <a:p>
             <a:pPr lvl="2"/>
             <a:r>
-              <a:rPr lang="zh-CN" altLang="en-US" smtClean="0"/>
+              <a:rPr lang="zh-CN" altLang="en-US"/>
               <a:t>第三级</a:t>
             </a:r>
           </a:p>
           <a:p>
             <a:pPr lvl="3"/>
             <a:r>
-              <a:rPr lang="zh-CN" altLang="en-US" smtClean="0"/>
+              <a:rPr lang="zh-CN" altLang="en-US"/>
               <a:t>第四级</a:t>
             </a:r>
           </a:p>
           <a:p>
             <a:pPr lvl="4"/>
             <a:r>
-              <a:rPr lang="zh-CN" altLang="en-US" smtClean="0"/>
+              <a:rPr lang="zh-CN" altLang="en-US"/>
               <a:t>第五级</a:t>
             </a:r>
-            <a:endParaRPr lang="zh-CN" altLang="en-US"/>
           </a:p>
         </p:txBody>
       </p:sp>
@@ -1166,7 +1184,7 @@
             <a:fld id="{4981BC5F-1855-4E04-AC57-990E3C47FC35}" type="datetime1">
               <a:rPr lang="zh-CN" altLang="en-US"/>
               <a:pPr/>
-              <a:t>2017/11/16</a:t>
+              <a:t>2017/11/17</a:t>
             </a:fld>
             <a:endParaRPr lang="zh-CN" altLang="en-US" sz="1800">
               <a:solidFill>
@@ -1272,10 +1290,9 @@
           <a:lstStyle/>
           <a:p>
             <a:r>
-              <a:rPr lang="zh-CN" altLang="en-US" smtClean="0"/>
+              <a:rPr lang="zh-CN" altLang="en-US"/>
               <a:t>单击此处编辑母版标题样式</a:t>
             </a:r>
-            <a:endParaRPr lang="zh-CN" altLang="en-US"/>
           </a:p>
         </p:txBody>
       </p:sp>
@@ -1296,38 +1313,37 @@
           <a:p>
             <a:pPr lvl="0"/>
             <a:r>
-              <a:rPr lang="zh-CN" altLang="en-US" smtClean="0"/>
+              <a:rPr lang="zh-CN" altLang="en-US"/>
               <a:t>单击此处编辑母版文本样式</a:t>
             </a:r>
           </a:p>
           <a:p>
             <a:pPr lvl="1"/>
             <a:r>
-              <a:rPr lang="zh-CN" altLang="en-US" smtClean="0"/>
+              <a:rPr lang="zh-CN" altLang="en-US"/>
               <a:t>第二级</a:t>
             </a:r>
           </a:p>
           <a:p>
             <a:pPr lvl="2"/>
             <a:r>
-              <a:rPr lang="zh-CN" altLang="en-US" smtClean="0"/>
+              <a:rPr lang="zh-CN" altLang="en-US"/>
               <a:t>第三级</a:t>
             </a:r>
           </a:p>
           <a:p>
             <a:pPr lvl="3"/>
             <a:r>
-              <a:rPr lang="zh-CN" altLang="en-US" smtClean="0"/>
+              <a:rPr lang="zh-CN" altLang="en-US"/>
               <a:t>第四级</a:t>
             </a:r>
           </a:p>
           <a:p>
             <a:pPr lvl="4"/>
             <a:r>
-              <a:rPr lang="zh-CN" altLang="en-US" smtClean="0"/>
+              <a:rPr lang="zh-CN" altLang="en-US"/>
               <a:t>第五级</a:t>
             </a:r>
-            <a:endParaRPr lang="zh-CN" altLang="en-US"/>
           </a:p>
         </p:txBody>
       </p:sp>
@@ -1353,7 +1369,7 @@
             <a:fld id="{4981BC5F-1855-4E04-AC57-990E3C47FC35}" type="datetime1">
               <a:rPr lang="zh-CN" altLang="en-US"/>
               <a:pPr/>
-              <a:t>2017/11/16</a:t>
+              <a:t>2017/11/17</a:t>
             </a:fld>
             <a:endParaRPr lang="zh-CN" altLang="en-US" sz="1800">
               <a:solidFill>
@@ -1468,10 +1484,9 @@
           </a:lstStyle>
           <a:p>
             <a:r>
-              <a:rPr lang="zh-CN" altLang="en-US" smtClean="0"/>
+              <a:rPr lang="zh-CN" altLang="en-US"/>
               <a:t>单击此处编辑母版标题样式</a:t>
             </a:r>
-            <a:endParaRPr lang="zh-CN" altLang="en-US"/>
           </a:p>
         </p:txBody>
       </p:sp>
@@ -1534,7 +1549,7 @@
           <a:p>
             <a:pPr lvl="0"/>
             <a:r>
-              <a:rPr lang="zh-CN" altLang="en-US" smtClean="0"/>
+              <a:rPr lang="zh-CN" altLang="en-US"/>
               <a:t>单击此处编辑母版文本样式</a:t>
             </a:r>
           </a:p>
@@ -1562,7 +1577,7 @@
             <a:fld id="{4981BC5F-1855-4E04-AC57-990E3C47FC35}" type="datetime1">
               <a:rPr lang="zh-CN" altLang="en-US"/>
               <a:pPr/>
-              <a:t>2017/11/16</a:t>
+              <a:t>2017/11/17</a:t>
             </a:fld>
             <a:endParaRPr lang="zh-CN" altLang="en-US" sz="1800">
               <a:solidFill>
@@ -1668,10 +1683,9 @@
           <a:lstStyle/>
           <a:p>
             <a:r>
-              <a:rPr lang="zh-CN" altLang="en-US" smtClean="0"/>
+              <a:rPr lang="zh-CN" altLang="en-US"/>
               <a:t>单击此处编辑母版标题样式</a:t>
             </a:r>
-            <a:endParaRPr lang="zh-CN" altLang="en-US"/>
           </a:p>
         </p:txBody>
       </p:sp>
@@ -1725,38 +1739,37 @@
           <a:p>
             <a:pPr lvl="0"/>
             <a:r>
-              <a:rPr lang="zh-CN" altLang="en-US" smtClean="0"/>
+              <a:rPr lang="zh-CN" altLang="en-US"/>
               <a:t>单击此处编辑母版文本样式</a:t>
             </a:r>
           </a:p>
           <a:p>
             <a:pPr lvl="1"/>
             <a:r>
-              <a:rPr lang="zh-CN" altLang="en-US" smtClean="0"/>
+              <a:rPr lang="zh-CN" altLang="en-US"/>
               <a:t>第二级</a:t>
             </a:r>
           </a:p>
           <a:p>
             <a:pPr lvl="2"/>
             <a:r>
-              <a:rPr lang="zh-CN" altLang="en-US" smtClean="0"/>
+              <a:rPr lang="zh-CN" altLang="en-US"/>
               <a:t>第三级</a:t>
             </a:r>
           </a:p>
           <a:p>
             <a:pPr lvl="3"/>
             <a:r>
-              <a:rPr lang="zh-CN" altLang="en-US" smtClean="0"/>
+              <a:rPr lang="zh-CN" altLang="en-US"/>
               <a:t>第四级</a:t>
             </a:r>
           </a:p>
           <a:p>
             <a:pPr lvl="4"/>
             <a:r>
-              <a:rPr lang="zh-CN" altLang="en-US" smtClean="0"/>
+              <a:rPr lang="zh-CN" altLang="en-US"/>
               <a:t>第五级</a:t>
             </a:r>
-            <a:endParaRPr lang="zh-CN" altLang="en-US"/>
           </a:p>
         </p:txBody>
       </p:sp>
@@ -1810,38 +1823,37 @@
           <a:p>
             <a:pPr lvl="0"/>
             <a:r>
-              <a:rPr lang="zh-CN" altLang="en-US" smtClean="0"/>
+              <a:rPr lang="zh-CN" altLang="en-US"/>
               <a:t>单击此处编辑母版文本样式</a:t>
             </a:r>
           </a:p>
           <a:p>
             <a:pPr lvl="1"/>
             <a:r>
-              <a:rPr lang="zh-CN" altLang="en-US" smtClean="0"/>
+              <a:rPr lang="zh-CN" altLang="en-US"/>
               <a:t>第二级</a:t>
             </a:r>
           </a:p>
           <a:p>
             <a:pPr lvl="2"/>
             <a:r>
-              <a:rPr lang="zh-CN" altLang="en-US" smtClean="0"/>
+              <a:rPr lang="zh-CN" altLang="en-US"/>
               <a:t>第三级</a:t>
             </a:r>
           </a:p>
           <a:p>
             <a:pPr lvl="3"/>
             <a:r>
-              <a:rPr lang="zh-CN" altLang="en-US" smtClean="0"/>
+              <a:rPr lang="zh-CN" altLang="en-US"/>
               <a:t>第四级</a:t>
             </a:r>
           </a:p>
           <a:p>
             <a:pPr lvl="4"/>
             <a:r>
-              <a:rPr lang="zh-CN" altLang="en-US" smtClean="0"/>
+              <a:rPr lang="zh-CN" altLang="en-US"/>
               <a:t>第五级</a:t>
             </a:r>
-            <a:endParaRPr lang="zh-CN" altLang="en-US"/>
           </a:p>
         </p:txBody>
       </p:sp>
@@ -1867,7 +1879,7 @@
             <a:fld id="{4981BC5F-1855-4E04-AC57-990E3C47FC35}" type="datetime1">
               <a:rPr lang="zh-CN" altLang="en-US"/>
               <a:pPr/>
-              <a:t>2017/11/16</a:t>
+              <a:t>2017/11/17</a:t>
             </a:fld>
             <a:endParaRPr lang="zh-CN" altLang="en-US" sz="1800">
               <a:solidFill>
@@ -1982,10 +1994,9 @@
           </a:lstStyle>
           <a:p>
             <a:r>
-              <a:rPr lang="zh-CN" altLang="en-US" smtClean="0"/>
+              <a:rPr lang="zh-CN" altLang="en-US"/>
               <a:t>单击此处编辑母版标题样式</a:t>
             </a:r>
-            <a:endParaRPr lang="zh-CN" altLang="en-US"/>
           </a:p>
         </p:txBody>
       </p:sp>
@@ -2048,7 +2059,7 @@
           <a:p>
             <a:pPr lvl="0"/>
             <a:r>
-              <a:rPr lang="zh-CN" altLang="en-US" smtClean="0"/>
+              <a:rPr lang="zh-CN" altLang="en-US"/>
               <a:t>单击此处编辑母版文本样式</a:t>
             </a:r>
           </a:p>
@@ -2104,38 +2115,37 @@
           <a:p>
             <a:pPr lvl="0"/>
             <a:r>
-              <a:rPr lang="zh-CN" altLang="en-US" smtClean="0"/>
+              <a:rPr lang="zh-CN" altLang="en-US"/>
               <a:t>单击此处编辑母版文本样式</a:t>
             </a:r>
           </a:p>
           <a:p>
             <a:pPr lvl="1"/>
             <a:r>
-              <a:rPr lang="zh-CN" altLang="en-US" smtClean="0"/>
+              <a:rPr lang="zh-CN" altLang="en-US"/>
               <a:t>第二级</a:t>
             </a:r>
           </a:p>
           <a:p>
             <a:pPr lvl="2"/>
             <a:r>
-              <a:rPr lang="zh-CN" altLang="en-US" smtClean="0"/>
+              <a:rPr lang="zh-CN" altLang="en-US"/>
               <a:t>第三级</a:t>
             </a:r>
           </a:p>
           <a:p>
             <a:pPr lvl="3"/>
             <a:r>
-              <a:rPr lang="zh-CN" altLang="en-US" smtClean="0"/>
+              <a:rPr lang="zh-CN" altLang="en-US"/>
               <a:t>第四级</a:t>
             </a:r>
           </a:p>
           <a:p>
             <a:pPr lvl="4"/>
             <a:r>
-              <a:rPr lang="zh-CN" altLang="en-US" smtClean="0"/>
+              <a:rPr lang="zh-CN" altLang="en-US"/>
               <a:t>第五级</a:t>
             </a:r>
-            <a:endParaRPr lang="zh-CN" altLang="en-US"/>
           </a:p>
         </p:txBody>
       </p:sp>
@@ -2198,7 +2208,7 @@
           <a:p>
             <a:pPr lvl="0"/>
             <a:r>
-              <a:rPr lang="zh-CN" altLang="en-US" smtClean="0"/>
+              <a:rPr lang="zh-CN" altLang="en-US"/>
               <a:t>单击此处编辑母版文本样式</a:t>
             </a:r>
           </a:p>
@@ -2254,38 +2264,37 @@
           <a:p>
             <a:pPr lvl="0"/>
             <a:r>
-              <a:rPr lang="zh-CN" altLang="en-US" smtClean="0"/>
+              <a:rPr lang="zh-CN" altLang="en-US"/>
               <a:t>单击此处编辑母版文本样式</a:t>
             </a:r>
           </a:p>
           <a:p>
             <a:pPr lvl="1"/>
             <a:r>
-              <a:rPr lang="zh-CN" altLang="en-US" smtClean="0"/>
+              <a:rPr lang="zh-CN" altLang="en-US"/>
               <a:t>第二级</a:t>
             </a:r>
           </a:p>
           <a:p>
             <a:pPr lvl="2"/>
             <a:r>
-              <a:rPr lang="zh-CN" altLang="en-US" smtClean="0"/>
+              <a:rPr lang="zh-CN" altLang="en-US"/>
               <a:t>第三级</a:t>
             </a:r>
           </a:p>
           <a:p>
             <a:pPr lvl="3"/>
             <a:r>
-              <a:rPr lang="zh-CN" altLang="en-US" smtClean="0"/>
+              <a:rPr lang="zh-CN" altLang="en-US"/>
               <a:t>第四级</a:t>
             </a:r>
           </a:p>
           <a:p>
             <a:pPr lvl="4"/>
             <a:r>
-              <a:rPr lang="zh-CN" altLang="en-US" smtClean="0"/>
+              <a:rPr lang="zh-CN" altLang="en-US"/>
               <a:t>第五级</a:t>
             </a:r>
-            <a:endParaRPr lang="zh-CN" altLang="en-US"/>
           </a:p>
         </p:txBody>
       </p:sp>
@@ -2311,7 +2320,7 @@
             <a:fld id="{4981BC5F-1855-4E04-AC57-990E3C47FC35}" type="datetime1">
               <a:rPr lang="zh-CN" altLang="en-US"/>
               <a:pPr/>
-              <a:t>2017/11/16</a:t>
+              <a:t>2017/11/17</a:t>
             </a:fld>
             <a:endParaRPr lang="zh-CN" altLang="en-US" sz="1800">
               <a:solidFill>
@@ -2417,10 +2426,9 @@
           <a:lstStyle/>
           <a:p>
             <a:r>
-              <a:rPr lang="zh-CN" altLang="en-US" smtClean="0"/>
+              <a:rPr lang="zh-CN" altLang="en-US"/>
               <a:t>单击此处编辑母版标题样式</a:t>
             </a:r>
-            <a:endParaRPr lang="zh-CN" altLang="en-US"/>
           </a:p>
         </p:txBody>
       </p:sp>
@@ -2446,7 +2454,7 @@
             <a:fld id="{4981BC5F-1855-4E04-AC57-990E3C47FC35}" type="datetime1">
               <a:rPr lang="zh-CN" altLang="en-US"/>
               <a:pPr/>
-              <a:t>2017/11/16</a:t>
+              <a:t>2017/11/17</a:t>
             </a:fld>
             <a:endParaRPr lang="zh-CN" altLang="en-US" sz="1800">
               <a:solidFill>
@@ -2558,7 +2566,7 @@
             <a:fld id="{4981BC5F-1855-4E04-AC57-990E3C47FC35}" type="datetime1">
               <a:rPr lang="zh-CN" altLang="en-US"/>
               <a:pPr/>
-              <a:t>2017/11/16</a:t>
+              <a:t>2017/11/17</a:t>
             </a:fld>
             <a:endParaRPr lang="zh-CN" altLang="en-US" sz="1800">
               <a:solidFill>
@@ -2673,10 +2681,9 @@
           </a:lstStyle>
           <a:p>
             <a:r>
-              <a:rPr lang="zh-CN" altLang="en-US" smtClean="0"/>
+              <a:rPr lang="zh-CN" altLang="en-US"/>
               <a:t>单击此处编辑母版标题样式</a:t>
             </a:r>
-            <a:endParaRPr lang="zh-CN" altLang="en-US"/>
           </a:p>
         </p:txBody>
       </p:sp>
@@ -2730,38 +2737,37 @@
           <a:p>
             <a:pPr lvl="0"/>
             <a:r>
-              <a:rPr lang="zh-CN" altLang="en-US" smtClean="0"/>
+              <a:rPr lang="zh-CN" altLang="en-US"/>
               <a:t>单击此处编辑母版文本样式</a:t>
             </a:r>
           </a:p>
           <a:p>
             <a:pPr lvl="1"/>
             <a:r>
-              <a:rPr lang="zh-CN" altLang="en-US" smtClean="0"/>
+              <a:rPr lang="zh-CN" altLang="en-US"/>
               <a:t>第二级</a:t>
             </a:r>
           </a:p>
           <a:p>
             <a:pPr lvl="2"/>
             <a:r>
-              <a:rPr lang="zh-CN" altLang="en-US" smtClean="0"/>
+              <a:rPr lang="zh-CN" altLang="en-US"/>
               <a:t>第三级</a:t>
             </a:r>
           </a:p>
           <a:p>
             <a:pPr lvl="3"/>
             <a:r>
-              <a:rPr lang="zh-CN" altLang="en-US" smtClean="0"/>
+              <a:rPr lang="zh-CN" altLang="en-US"/>
               <a:t>第四级</a:t>
             </a:r>
           </a:p>
           <a:p>
             <a:pPr lvl="4"/>
             <a:r>
-              <a:rPr lang="zh-CN" altLang="en-US" smtClean="0"/>
+              <a:rPr lang="zh-CN" altLang="en-US"/>
               <a:t>第五级</a:t>
             </a:r>
-            <a:endParaRPr lang="zh-CN" altLang="en-US"/>
           </a:p>
         </p:txBody>
       </p:sp>
@@ -2824,7 +2830,7 @@
           <a:p>
             <a:pPr lvl="0"/>
             <a:r>
-              <a:rPr lang="zh-CN" altLang="en-US" smtClean="0"/>
+              <a:rPr lang="zh-CN" altLang="en-US"/>
               <a:t>单击此处编辑母版文本样式</a:t>
             </a:r>
           </a:p>
@@ -2852,7 +2858,7 @@
             <a:fld id="{4981BC5F-1855-4E04-AC57-990E3C47FC35}" type="datetime1">
               <a:rPr lang="zh-CN" altLang="en-US"/>
               <a:pPr/>
-              <a:t>2017/11/16</a:t>
+              <a:t>2017/11/17</a:t>
             </a:fld>
             <a:endParaRPr lang="zh-CN" altLang="en-US" sz="1800">
               <a:solidFill>
@@ -2967,10 +2973,9 @@
           </a:lstStyle>
           <a:p>
             <a:r>
-              <a:rPr lang="zh-CN" altLang="en-US" smtClean="0"/>
+              <a:rPr lang="zh-CN" altLang="en-US"/>
               <a:t>单击此处编辑母版标题样式</a:t>
             </a:r>
-            <a:endParaRPr lang="zh-CN" altLang="en-US"/>
           </a:p>
         </p:txBody>
       </p:sp>
@@ -3094,7 +3099,7 @@
           <a:p>
             <a:pPr lvl="0"/>
             <a:r>
-              <a:rPr lang="zh-CN" altLang="en-US" smtClean="0"/>
+              <a:rPr lang="zh-CN" altLang="en-US"/>
               <a:t>单击此处编辑母版文本样式</a:t>
             </a:r>
           </a:p>
@@ -3122,7 +3127,7 @@
             <a:fld id="{4981BC5F-1855-4E04-AC57-990E3C47FC35}" type="datetime1">
               <a:rPr lang="zh-CN" altLang="en-US"/>
               <a:pPr/>
-              <a:t>2017/11/16</a:t>
+              <a:t>2017/11/17</a:t>
             </a:fld>
             <a:endParaRPr lang="zh-CN" altLang="en-US" sz="1800">
               <a:solidFill>
@@ -3272,7 +3277,7 @@
           <a:p>
             <a:pPr lvl="0"/>
             <a:r>
-              <a:rPr lang="zh-CN" smtClean="0">
+              <a:rPr lang="zh-CN">
                 <a:sym typeface="Calibri" pitchFamily="34" charset="0"/>
               </a:rPr>
               <a:t>单击此处编辑母版标题样式</a:t>
@@ -3316,7 +3321,7 @@
           <a:p>
             <a:pPr lvl="0"/>
             <a:r>
-              <a:rPr lang="zh-CN" smtClean="0">
+              <a:rPr lang="zh-CN">
                 <a:sym typeface="Cambria" pitchFamily="18" charset="0"/>
               </a:rPr>
               <a:t>单击此处编辑母版文本样式</a:t>
@@ -3325,7 +3330,7 @@
           <a:p>
             <a:pPr lvl="1"/>
             <a:r>
-              <a:rPr lang="zh-CN" smtClean="0">
+              <a:rPr lang="zh-CN">
                 <a:sym typeface="Cambria" pitchFamily="18" charset="0"/>
               </a:rPr>
               <a:t>第二级</a:t>
@@ -3334,7 +3339,7 @@
           <a:p>
             <a:pPr lvl="2"/>
             <a:r>
-              <a:rPr lang="zh-CN" smtClean="0">
+              <a:rPr lang="zh-CN">
                 <a:sym typeface="Cambria" pitchFamily="18" charset="0"/>
               </a:rPr>
               <a:t>第三级</a:t>
@@ -3343,7 +3348,7 @@
           <a:p>
             <a:pPr lvl="3"/>
             <a:r>
-              <a:rPr lang="zh-CN" smtClean="0">
+              <a:rPr lang="zh-CN">
                 <a:sym typeface="Cambria" pitchFamily="18" charset="0"/>
               </a:rPr>
               <a:t>第四级</a:t>
@@ -3352,7 +3357,7 @@
           <a:p>
             <a:pPr lvl="4"/>
             <a:r>
-              <a:rPr lang="zh-CN" smtClean="0">
+              <a:rPr lang="zh-CN">
                 <a:sym typeface="Cambria" pitchFamily="18" charset="0"/>
               </a:rPr>
               <a:t>第五级</a:t>
@@ -3405,7 +3410,7 @@
             <a:fld id="{4981BC5F-1855-4E04-AC57-990E3C47FC35}" type="datetime1">
               <a:rPr lang="zh-CN" altLang="en-US"/>
               <a:pPr/>
-              <a:t>2017/11/16</a:t>
+              <a:t>2017/11/17</a:t>
             </a:fld>
             <a:endParaRPr lang="zh-CN" altLang="en-US"/>
           </a:p>
@@ -6539,19 +6544,426 @@
           </a:p>
         </p:txBody>
       </p:sp>
+      <p:pic>
+        <p:nvPicPr>
+          <p:cNvPr id="1026" name="Picture 2" descr="C:\Users\60577\AppData\Roaming\Foxmail7\Temp-9868-20171117091057\Attach\InsertPic_(11-16(11-17-13-59-17).jpg">
+            <a:extLst>
+              <a:ext uri="{FF2B5EF4-FFF2-40B4-BE49-F238E27FC236}">
+                <a16:creationId xmlns:a16="http://schemas.microsoft.com/office/drawing/2014/main" id="{AA353B0F-1208-4C56-93F6-F22CD34CCE7A}"/>
+              </a:ext>
+            </a:extLst>
+          </p:cNvPr>
+          <p:cNvPicPr>
+            <a:picLocks noChangeAspect="1" noChangeArrowheads="1"/>
+          </p:cNvPicPr>
+          <p:nvPr/>
+        </p:nvPicPr>
+        <p:blipFill>
+          <a:blip r:embed="rId6">
+            <a:extLst>
+              <a:ext uri="{28A0092B-C50C-407E-A947-70E740481C1C}">
+                <a14:useLocalDpi xmlns:a14="http://schemas.microsoft.com/office/drawing/2010/main" val="0"/>
+              </a:ext>
+            </a:extLst>
+          </a:blip>
+          <a:srcRect/>
+          <a:stretch>
+            <a:fillRect/>
+          </a:stretch>
+        </p:blipFill>
+        <p:spPr bwMode="auto">
+          <a:xfrm>
+            <a:off x="-1" y="2096"/>
+            <a:ext cx="12322175" cy="6931223"/>
+          </a:xfrm>
+          <a:prstGeom prst="rect">
+            <a:avLst/>
+          </a:prstGeom>
+          <a:noFill/>
+          <a:extLst>
+            <a:ext uri="{909E8E84-426E-40DD-AFC4-6F175D3DCCD1}">
+              <a14:hiddenFill xmlns:a14="http://schemas.microsoft.com/office/drawing/2010/main">
+                <a:solidFill>
+                  <a:srgbClr val="FFFFFF"/>
+                </a:solidFill>
+              </a14:hiddenFill>
+            </a:ext>
+          </a:extLst>
+        </p:spPr>
+      </p:pic>
+      <p:sp>
+        <p:nvSpPr>
+          <p:cNvPr id="63" name="矩形 38">
+            <a:extLst>
+              <a:ext uri="{FF2B5EF4-FFF2-40B4-BE49-F238E27FC236}">
+                <a16:creationId xmlns:a16="http://schemas.microsoft.com/office/drawing/2014/main" id="{CE5B58CC-9A4D-45FE-917E-4BE30595AA75}"/>
+              </a:ext>
+            </a:extLst>
+          </p:cNvPr>
+          <p:cNvSpPr>
+            <a:spLocks noChangeArrowheads="1"/>
+          </p:cNvSpPr>
+          <p:nvPr/>
+        </p:nvSpPr>
+        <p:spPr bwMode="auto">
+          <a:xfrm>
+            <a:off x="10817225" y="130175"/>
+            <a:ext cx="1438275" cy="153988"/>
+          </a:xfrm>
+          <a:prstGeom prst="rect">
+            <a:avLst/>
+          </a:prstGeom>
+          <a:solidFill>
+            <a:srgbClr val="0C0C0C"/>
+          </a:solidFill>
+          <a:ln w="9525">
+            <a:noFill/>
+            <a:miter lim="800000"/>
+            <a:headEnd/>
+            <a:tailEnd/>
+          </a:ln>
+        </p:spPr>
+        <p:txBody>
+          <a:bodyPr anchor="ctr"/>
+          <a:lstStyle/>
+          <a:p>
+            <a:pPr algn="ctr"/>
+            <a:endParaRPr lang="zh-CN" altLang="zh-CN">
+              <a:solidFill>
+                <a:srgbClr val="FFFFFF"/>
+              </a:solidFill>
+              <a:latin typeface="黑体" pitchFamily="49" charset="-122"/>
+              <a:ea typeface="黑体" pitchFamily="49" charset="-122"/>
+              <a:sym typeface="黑体" pitchFamily="49" charset="-122"/>
+            </a:endParaRPr>
+          </a:p>
+        </p:txBody>
+      </p:sp>
+      <p:sp>
+        <p:nvSpPr>
+          <p:cNvPr id="64" name="圆角矩形 32">
+            <a:extLst>
+              <a:ext uri="{FF2B5EF4-FFF2-40B4-BE49-F238E27FC236}">
+                <a16:creationId xmlns:a16="http://schemas.microsoft.com/office/drawing/2014/main" id="{AF437185-EC98-4115-96F0-93493FD19CDB}"/>
+              </a:ext>
+            </a:extLst>
+          </p:cNvPr>
+          <p:cNvSpPr>
+            <a:spLocks noChangeArrowheads="1"/>
+          </p:cNvSpPr>
+          <p:nvPr/>
+        </p:nvSpPr>
+        <p:spPr bwMode="auto">
+          <a:xfrm>
+            <a:off x="10083800" y="130175"/>
+            <a:ext cx="606425" cy="139700"/>
+          </a:xfrm>
+          <a:prstGeom prst="roundRect">
+            <a:avLst>
+              <a:gd name="adj" fmla="val 16667"/>
+            </a:avLst>
+          </a:prstGeom>
+          <a:solidFill>
+            <a:srgbClr val="353535"/>
+          </a:solidFill>
+          <a:ln w="9525">
+            <a:noFill/>
+            <a:round/>
+            <a:headEnd/>
+            <a:tailEnd/>
+          </a:ln>
+        </p:spPr>
+        <p:txBody>
+          <a:bodyPr anchor="ctr"/>
+          <a:lstStyle/>
+          <a:p>
+            <a:pPr algn="ctr"/>
+            <a:endParaRPr lang="zh-CN" altLang="zh-CN">
+              <a:solidFill>
+                <a:srgbClr val="FFFFFF"/>
+              </a:solidFill>
+              <a:latin typeface="黑体" pitchFamily="49" charset="-122"/>
+              <a:ea typeface="黑体" pitchFamily="49" charset="-122"/>
+              <a:sym typeface="黑体" pitchFamily="49" charset="-122"/>
+            </a:endParaRPr>
+          </a:p>
+        </p:txBody>
+      </p:sp>
+      <p:sp>
+        <p:nvSpPr>
+          <p:cNvPr id="65" name="文本框 33">
+            <a:extLst>
+              <a:ext uri="{FF2B5EF4-FFF2-40B4-BE49-F238E27FC236}">
+                <a16:creationId xmlns:a16="http://schemas.microsoft.com/office/drawing/2014/main" id="{27A3B32E-9F49-41B6-9D1B-3D0295927702}"/>
+              </a:ext>
+            </a:extLst>
+          </p:cNvPr>
+          <p:cNvSpPr>
+            <a:spLocks noChangeArrowheads="1"/>
+          </p:cNvSpPr>
+          <p:nvPr/>
+        </p:nvSpPr>
+        <p:spPr bwMode="auto">
+          <a:xfrm>
+            <a:off x="10058400" y="92075"/>
+            <a:ext cx="671513" cy="214313"/>
+          </a:xfrm>
+          <a:prstGeom prst="rect">
+            <a:avLst/>
+          </a:prstGeom>
+          <a:noFill/>
+          <a:ln w="9525">
+            <a:noFill/>
+            <a:miter lim="800000"/>
+            <a:headEnd/>
+            <a:tailEnd/>
+          </a:ln>
+        </p:spPr>
+        <p:txBody>
+          <a:bodyPr>
+            <a:spAutoFit/>
+          </a:bodyPr>
+          <a:lstStyle/>
+          <a:p>
+            <a:r>
+              <a:rPr lang="en-US" sz="800">
+                <a:solidFill>
+                  <a:srgbClr val="F2F2F2"/>
+                </a:solidFill>
+                <a:latin typeface="Cambria" pitchFamily="18" charset="0"/>
+                <a:ea typeface="Cambria" pitchFamily="18" charset="0"/>
+                <a:cs typeface="Cambria" pitchFamily="18" charset="0"/>
+                <a:sym typeface="Cambria" pitchFamily="18" charset="0"/>
+              </a:rPr>
+              <a:t>CUSTOMER</a:t>
+            </a:r>
+            <a:endParaRPr lang="zh-CN" altLang="en-US" sz="800">
+              <a:solidFill>
+                <a:srgbClr val="F2F2F2"/>
+              </a:solidFill>
+              <a:latin typeface="Cambria" pitchFamily="18" charset="0"/>
+              <a:ea typeface="黑体" pitchFamily="49" charset="-122"/>
+              <a:sym typeface="黑体" pitchFamily="49" charset="-122"/>
+            </a:endParaRPr>
+          </a:p>
+        </p:txBody>
+      </p:sp>
+      <p:sp>
+        <p:nvSpPr>
+          <p:cNvPr id="66" name="燕尾形 34">
+            <a:extLst>
+              <a:ext uri="{FF2B5EF4-FFF2-40B4-BE49-F238E27FC236}">
+                <a16:creationId xmlns:a16="http://schemas.microsoft.com/office/drawing/2014/main" id="{BD3933EE-596D-4163-A5DF-6406D85D3A0C}"/>
+              </a:ext>
+            </a:extLst>
+          </p:cNvPr>
+          <p:cNvSpPr>
+            <a:spLocks noChangeArrowheads="1"/>
+          </p:cNvSpPr>
+          <p:nvPr/>
+        </p:nvSpPr>
+        <p:spPr bwMode="auto">
+          <a:xfrm rot="5400000">
+            <a:off x="10371138" y="260350"/>
+            <a:ext cx="46038" cy="71437"/>
+          </a:xfrm>
+          <a:prstGeom prst="chevron">
+            <a:avLst>
+              <a:gd name="adj" fmla="val 66157"/>
+            </a:avLst>
+          </a:prstGeom>
+          <a:solidFill>
+            <a:srgbClr val="353535"/>
+          </a:solidFill>
+          <a:ln w="9525">
+            <a:noFill/>
+            <a:miter lim="800000"/>
+            <a:headEnd/>
+            <a:tailEnd/>
+          </a:ln>
+        </p:spPr>
+        <p:txBody>
+          <a:bodyPr anchor="ctr"/>
+          <a:lstStyle/>
+          <a:p>
+            <a:pPr algn="ctr"/>
+            <a:endParaRPr lang="zh-CN" altLang="zh-CN">
+              <a:latin typeface="黑体" pitchFamily="49" charset="-122"/>
+              <a:ea typeface="黑体" pitchFamily="49" charset="-122"/>
+              <a:sym typeface="黑体" pitchFamily="49" charset="-122"/>
+            </a:endParaRPr>
+          </a:p>
+        </p:txBody>
+      </p:sp>
+      <p:sp>
+        <p:nvSpPr>
+          <p:cNvPr id="67" name="矩形 35">
+            <a:extLst>
+              <a:ext uri="{FF2B5EF4-FFF2-40B4-BE49-F238E27FC236}">
+                <a16:creationId xmlns:a16="http://schemas.microsoft.com/office/drawing/2014/main" id="{369AEEEE-48D2-49BA-9C14-F754586E0F07}"/>
+              </a:ext>
+            </a:extLst>
+          </p:cNvPr>
+          <p:cNvSpPr>
+            <a:spLocks noChangeArrowheads="1"/>
+          </p:cNvSpPr>
+          <p:nvPr/>
+        </p:nvSpPr>
+        <p:spPr bwMode="auto">
+          <a:xfrm>
+            <a:off x="10829925" y="130175"/>
+            <a:ext cx="1412875" cy="139700"/>
+          </a:xfrm>
+          <a:prstGeom prst="rect">
+            <a:avLst/>
+          </a:prstGeom>
+          <a:solidFill>
+            <a:srgbClr val="353535"/>
+          </a:solidFill>
+          <a:ln w="9525">
+            <a:noFill/>
+            <a:miter lim="800000"/>
+            <a:headEnd/>
+            <a:tailEnd/>
+          </a:ln>
+        </p:spPr>
+        <p:txBody>
+          <a:bodyPr anchor="ctr"/>
+          <a:lstStyle/>
+          <a:p>
+            <a:pPr algn="ctr"/>
+            <a:endParaRPr lang="zh-CN" altLang="zh-CN">
+              <a:solidFill>
+                <a:srgbClr val="FFFFFF"/>
+              </a:solidFill>
+              <a:latin typeface="黑体" pitchFamily="49" charset="-122"/>
+              <a:ea typeface="黑体" pitchFamily="49" charset="-122"/>
+              <a:sym typeface="黑体" pitchFamily="49" charset="-122"/>
+            </a:endParaRPr>
+          </a:p>
+        </p:txBody>
+      </p:sp>
+      <p:sp>
+        <p:nvSpPr>
+          <p:cNvPr id="68" name="文本框 36">
+            <a:extLst>
+              <a:ext uri="{FF2B5EF4-FFF2-40B4-BE49-F238E27FC236}">
+                <a16:creationId xmlns:a16="http://schemas.microsoft.com/office/drawing/2014/main" id="{6C33D2C8-526B-44FB-B483-AD341DA3FEB8}"/>
+              </a:ext>
+            </a:extLst>
+          </p:cNvPr>
+          <p:cNvSpPr>
+            <a:spLocks noChangeArrowheads="1"/>
+          </p:cNvSpPr>
+          <p:nvPr/>
+        </p:nvSpPr>
+        <p:spPr bwMode="auto">
+          <a:xfrm>
+            <a:off x="10829925" y="104775"/>
+            <a:ext cx="631825" cy="214313"/>
+          </a:xfrm>
+          <a:prstGeom prst="rect">
+            <a:avLst/>
+          </a:prstGeom>
+          <a:noFill/>
+          <a:ln w="9525">
+            <a:noFill/>
+            <a:miter lim="800000"/>
+            <a:headEnd/>
+            <a:tailEnd/>
+          </a:ln>
+        </p:spPr>
+        <p:txBody>
+          <a:bodyPr>
+            <a:spAutoFit/>
+          </a:bodyPr>
+          <a:lstStyle/>
+          <a:p>
+            <a:r>
+              <a:rPr lang="en-US" sz="800">
+                <a:solidFill>
+                  <a:srgbClr val="5E851A"/>
+                </a:solidFill>
+                <a:latin typeface="Enter Sansman" pitchFamily="2" charset="0"/>
+                <a:sym typeface="Enter Sansman" pitchFamily="2" charset="0"/>
+              </a:rPr>
+              <a:t>WEB</a:t>
+            </a:r>
+            <a:endParaRPr lang="zh-CN" altLang="en-US" sz="800">
+              <a:solidFill>
+                <a:srgbClr val="5E851A"/>
+              </a:solidFill>
+              <a:latin typeface="Enter Sansman" pitchFamily="2" charset="0"/>
+              <a:sym typeface="Enter Sansman" pitchFamily="2" charset="0"/>
+            </a:endParaRPr>
+          </a:p>
+        </p:txBody>
+      </p:sp>
+      <p:sp>
+        <p:nvSpPr>
+          <p:cNvPr id="69" name="文本框 37">
+            <a:extLst>
+              <a:ext uri="{FF2B5EF4-FFF2-40B4-BE49-F238E27FC236}">
+                <a16:creationId xmlns:a16="http://schemas.microsoft.com/office/drawing/2014/main" id="{299A0656-2872-47B0-BC25-0C3BA64F3320}"/>
+              </a:ext>
+            </a:extLst>
+          </p:cNvPr>
+          <p:cNvSpPr>
+            <a:spLocks noChangeArrowheads="1"/>
+          </p:cNvSpPr>
+          <p:nvPr/>
+        </p:nvSpPr>
+        <p:spPr bwMode="auto">
+          <a:xfrm>
+            <a:off x="11106150" y="100012"/>
+            <a:ext cx="1112838" cy="215901"/>
+          </a:xfrm>
+          <a:prstGeom prst="rect">
+            <a:avLst/>
+          </a:prstGeom>
+          <a:noFill/>
+          <a:ln w="9525">
+            <a:noFill/>
+            <a:miter lim="800000"/>
+            <a:headEnd/>
+            <a:tailEnd/>
+          </a:ln>
+        </p:spPr>
+        <p:txBody>
+          <a:bodyPr>
+            <a:spAutoFit/>
+          </a:bodyPr>
+          <a:lstStyle/>
+          <a:p>
+            <a:r>
+              <a:rPr lang="en-US" sz="800">
+                <a:solidFill>
+                  <a:srgbClr val="BEBEBE"/>
+                </a:solidFill>
+                <a:latin typeface="Cambria" pitchFamily="18" charset="0"/>
+                <a:ea typeface="Cambria" pitchFamily="18" charset="0"/>
+                <a:cs typeface="Cambria" pitchFamily="18" charset="0"/>
+                <a:sym typeface="Cambria" pitchFamily="18" charset="0"/>
+              </a:rPr>
+              <a:t>Wenhua’s zone</a:t>
+            </a:r>
+            <a:endParaRPr lang="zh-CN" altLang="en-US" sz="800">
+              <a:solidFill>
+                <a:srgbClr val="BEBEBE"/>
+              </a:solidFill>
+              <a:latin typeface="Cambria" pitchFamily="18" charset="0"/>
+              <a:ea typeface="黑体" pitchFamily="49" charset="-122"/>
+              <a:sym typeface="黑体" pitchFamily="49" charset="-122"/>
+            </a:endParaRPr>
+          </a:p>
+        </p:txBody>
+      </p:sp>
     </p:spTree>
   </p:cSld>
   <p:clrMapOvr>
     <a:masterClrMapping/>
   </p:clrMapOvr>
   <p:transition spd="slow" advClick="0"/>
-  <p:timing>
-    <p:tnLst>
-      <p:par>
-        <p:cTn id="1" dur="indefinite" restart="never" nodeType="tmRoot"/>
-      </p:par>
-    </p:tnLst>
-  </p:timing>
 </p:sld>
 </file>
 
@@ -9117,7 +9529,7 @@
             <a:p>
               <a:pPr algn="ctr"/>
               <a:r>
-                <a:rPr lang="en-US" altLang="zh-CN" sz="2000" b="1" dirty="0" smtClean="0">
+                <a:rPr lang="en-US" altLang="zh-CN" sz="2000" b="1" dirty="0">
                   <a:solidFill>
                     <a:schemeClr val="bg1"/>
                   </a:solidFill>
@@ -9276,7 +9688,7 @@
               </a:lnSpc>
             </a:pPr>
             <a:r>
-              <a:rPr lang="en-US" altLang="zh-CN" sz="2000" dirty="0" smtClean="0">
+              <a:rPr lang="en-US" altLang="zh-CN" sz="2000" dirty="0">
                 <a:latin typeface="微软雅黑" pitchFamily="34" charset="-122"/>
                 <a:ea typeface="微软雅黑" pitchFamily="34" charset="-122"/>
               </a:rPr>
@@ -9290,7 +9702,7 @@
               </a:lnSpc>
             </a:pPr>
             <a:r>
-              <a:rPr lang="en-US" altLang="zh-CN" sz="2000" dirty="0" smtClean="0">
+              <a:rPr lang="en-US" altLang="zh-CN" sz="2000" dirty="0">
                 <a:latin typeface="微软雅黑" pitchFamily="34" charset="-122"/>
                 <a:ea typeface="微软雅黑" pitchFamily="34" charset="-122"/>
               </a:rPr>
@@ -9330,37 +9742,33 @@
               </a:lnSpc>
             </a:pPr>
             <a:r>
-              <a:rPr lang="en-US" altLang="zh-CN" sz="2200" dirty="0" smtClean="0">
+              <a:rPr lang="en-US" altLang="zh-CN" sz="2200" dirty="0">
                 <a:latin typeface="微软雅黑" pitchFamily="34" charset="-122"/>
                 <a:ea typeface="微软雅黑" pitchFamily="34" charset="-122"/>
               </a:rPr>
               <a:t>	</a:t>
             </a:r>
             <a:r>
-              <a:rPr lang="zh-CN" altLang="en-US" sz="2200" dirty="0" smtClean="0">
+              <a:rPr lang="zh-CN" altLang="en-US" sz="2200" dirty="0">
                 <a:latin typeface="微软雅黑" pitchFamily="34" charset="-122"/>
                 <a:ea typeface="微软雅黑" pitchFamily="34" charset="-122"/>
               </a:rPr>
-              <a:t>还</a:t>
+              <a:t>还是没有真正实现，在初始化的时候就强行塞到订阅器里，然后立即执行视图更新，然而根据实际渲染</a:t>
             </a:r>
             <a:r>
-              <a:rPr lang="zh-CN" altLang="en-US" sz="2200" dirty="0" smtClean="0">
+              <a:rPr lang="zh-CN" altLang="en-US" sz="2200">
                 <a:latin typeface="微软雅黑" pitchFamily="34" charset="-122"/>
                 <a:ea typeface="微软雅黑" pitchFamily="34" charset="-122"/>
               </a:rPr>
-              <a:t>是没有真正实现，在初始化的时候就强行塞到订阅器里，然后执行视图更新，然而根据实际渲染视图需要往订阅器推入一个订阅</a:t>
+              <a:t>视图需要从初始模板数据得到数据，</a:t>
             </a:r>
             <a:r>
-              <a:rPr lang="zh-CN" altLang="en-US" sz="2200" dirty="0" smtClean="0">
+              <a:rPr lang="zh-CN" altLang="en-US" sz="2200" dirty="0">
                 <a:latin typeface="微软雅黑" pitchFamily="34" charset="-122"/>
                 <a:ea typeface="微软雅黑" pitchFamily="34" charset="-122"/>
               </a:rPr>
-              <a:t>者，怎么解决？</a:t>
+              <a:t>怎么解决？</a:t>
             </a:r>
-            <a:endParaRPr lang="zh-CN" altLang="en-US" sz="2200" dirty="0">
-              <a:latin typeface="微软雅黑" pitchFamily="34" charset="-122"/>
-              <a:ea typeface="微软雅黑" pitchFamily="34" charset="-122"/>
-            </a:endParaRPr>
           </a:p>
         </p:txBody>
       </p:sp>
@@ -9370,13 +9778,6 @@
     <a:masterClrMapping/>
   </p:clrMapOvr>
   <p:transition spd="slow" advClick="0"/>
-  <p:timing>
-    <p:tnLst>
-      <p:par>
-        <p:cTn id="1" dur="indefinite" restart="never" nodeType="tmRoot"/>
-      </p:par>
-    </p:tnLst>
-  </p:timing>
 </p:sld>
 </file>
 
@@ -11942,7 +12343,7 @@
             <a:p>
               <a:pPr algn="ctr"/>
               <a:r>
-                <a:rPr lang="en-US" altLang="zh-CN" sz="2000" b="1" dirty="0" smtClean="0">
+                <a:rPr lang="en-US" altLang="zh-CN" sz="2000" b="1" dirty="0">
                   <a:solidFill>
                     <a:schemeClr val="bg1"/>
                   </a:solidFill>
@@ -12101,42 +12502,28 @@
               </a:lnSpc>
             </a:pPr>
             <a:r>
-              <a:rPr lang="en-US" altLang="zh-CN" sz="2200" dirty="0" smtClean="0">
+              <a:rPr lang="en-US" altLang="zh-CN" sz="2200" dirty="0">
                 <a:latin typeface="微软雅黑" pitchFamily="34" charset="-122"/>
                 <a:ea typeface="微软雅黑" pitchFamily="34" charset="-122"/>
               </a:rPr>
               <a:t>	</a:t>
             </a:r>
             <a:r>
-              <a:rPr lang="en-US" altLang="zh-CN" sz="2800" dirty="0" smtClean="0">
+              <a:rPr lang="en-US" altLang="zh-CN" sz="2800" dirty="0">
                 <a:latin typeface="微软雅黑" pitchFamily="34" charset="-122"/>
                 <a:ea typeface="微软雅黑" pitchFamily="34" charset="-122"/>
               </a:rPr>
               <a:t>Watcher</a:t>
             </a:r>
             <a:r>
-              <a:rPr lang="zh-CN" altLang="en-US" sz="2800" dirty="0" smtClean="0">
+              <a:rPr lang="zh-CN" altLang="en-US" sz="2800" dirty="0">
                 <a:latin typeface="微软雅黑" pitchFamily="34" charset="-122"/>
                 <a:ea typeface="微软雅黑" pitchFamily="34" charset="-122"/>
               </a:rPr>
-              <a:t>（订阅</a:t>
+              <a:t>（订阅者）</a:t>
             </a:r>
             <a:r>
-              <a:rPr lang="zh-CN" altLang="en-US" sz="2800" dirty="0" smtClean="0">
-                <a:latin typeface="微软雅黑" pitchFamily="34" charset="-122"/>
-                <a:ea typeface="微软雅黑" pitchFamily="34" charset="-122"/>
-              </a:rPr>
-              <a:t>者</a:t>
-            </a:r>
-            <a:r>
-              <a:rPr lang="zh-CN" altLang="en-US" sz="2800" dirty="0" smtClean="0">
-                <a:latin typeface="微软雅黑" pitchFamily="34" charset="-122"/>
-                <a:ea typeface="微软雅黑" pitchFamily="34" charset="-122"/>
-              </a:rPr>
-              <a:t>）</a:t>
-            </a:r>
-            <a:r>
-              <a:rPr lang="en-US" altLang="zh-CN" sz="2800" dirty="0" smtClean="0">
+              <a:rPr lang="en-US" altLang="zh-CN" sz="2800" dirty="0">
                 <a:latin typeface="微软雅黑" pitchFamily="34" charset="-122"/>
                 <a:ea typeface="微软雅黑" pitchFamily="34" charset="-122"/>
               </a:rPr>
@@ -12176,62 +12563,62 @@
               </a:lnSpc>
             </a:pPr>
             <a:r>
-              <a:rPr lang="en-US" altLang="zh-CN" sz="2000" dirty="0" smtClean="0">
+              <a:rPr lang="en-US" altLang="zh-CN" sz="2000" dirty="0">
                 <a:latin typeface="微软雅黑" pitchFamily="34" charset="-122"/>
                 <a:ea typeface="微软雅黑" pitchFamily="34" charset="-122"/>
               </a:rPr>
               <a:t>	1</a:t>
             </a:r>
             <a:r>
-              <a:rPr lang="zh-CN" altLang="en-US" sz="2000" dirty="0" smtClean="0">
+              <a:rPr lang="zh-CN" altLang="en-US" sz="2000" dirty="0">
                 <a:latin typeface="微软雅黑" pitchFamily="34" charset="-122"/>
                 <a:ea typeface="微软雅黑" pitchFamily="34" charset="-122"/>
               </a:rPr>
               <a:t>、</a:t>
             </a:r>
             <a:r>
-              <a:rPr lang="en-US" altLang="zh-CN" sz="2000" dirty="0" smtClean="0">
+              <a:rPr lang="en-US" altLang="zh-CN" sz="2000" dirty="0">
                 <a:latin typeface="微软雅黑" pitchFamily="34" charset="-122"/>
                 <a:ea typeface="微软雅黑" pitchFamily="34" charset="-122"/>
               </a:rPr>
               <a:t>setter</a:t>
             </a:r>
             <a:r>
-              <a:rPr lang="zh-CN" altLang="en-US" sz="2000" dirty="0" smtClean="0">
+              <a:rPr lang="zh-CN" altLang="en-US" sz="2000" dirty="0">
                 <a:latin typeface="微软雅黑" pitchFamily="34" charset="-122"/>
                 <a:ea typeface="微软雅黑" pitchFamily="34" charset="-122"/>
               </a:rPr>
               <a:t>中</a:t>
             </a:r>
             <a:r>
-              <a:rPr lang="en-US" altLang="zh-CN" sz="2000" dirty="0" smtClean="0">
+              <a:rPr lang="en-US" altLang="zh-CN" sz="2000" dirty="0">
                 <a:latin typeface="微软雅黑" pitchFamily="34" charset="-122"/>
                 <a:ea typeface="微软雅黑" pitchFamily="34" charset="-122"/>
               </a:rPr>
               <a:t>push Watcher</a:t>
             </a:r>
             <a:r>
-              <a:rPr lang="zh-CN" altLang="en-US" sz="2000" dirty="0" smtClean="0">
+              <a:rPr lang="zh-CN" altLang="en-US" sz="2000" dirty="0">
                 <a:latin typeface="微软雅黑" pitchFamily="34" charset="-122"/>
                 <a:ea typeface="微软雅黑" pitchFamily="34" charset="-122"/>
               </a:rPr>
               <a:t>到</a:t>
             </a:r>
             <a:r>
-              <a:rPr lang="en-US" altLang="zh-CN" sz="2000" dirty="0" smtClean="0">
+              <a:rPr lang="en-US" altLang="zh-CN" sz="2000" dirty="0">
                 <a:latin typeface="微软雅黑" pitchFamily="34" charset="-122"/>
                 <a:ea typeface="微软雅黑" pitchFamily="34" charset="-122"/>
               </a:rPr>
               <a:t>subs</a:t>
             </a:r>
             <a:r>
-              <a:rPr lang="zh-CN" altLang="en-US" sz="2000" dirty="0" smtClean="0">
+              <a:rPr lang="zh-CN" altLang="en-US" sz="2000" dirty="0">
                 <a:latin typeface="微软雅黑" pitchFamily="34" charset="-122"/>
                 <a:ea typeface="微软雅黑" pitchFamily="34" charset="-122"/>
               </a:rPr>
               <a:t>，完成对订阅者的收集</a:t>
             </a:r>
-            <a:endParaRPr lang="en-US" altLang="zh-CN" sz="2000" dirty="0" smtClean="0">
+            <a:endParaRPr lang="en-US" altLang="zh-CN" sz="2000" dirty="0">
               <a:latin typeface="微软雅黑" pitchFamily="34" charset="-122"/>
               <a:ea typeface="微软雅黑" pitchFamily="34" charset="-122"/>
             </a:endParaRPr>
@@ -12243,35 +12630,28 @@
               </a:lnSpc>
             </a:pPr>
             <a:r>
-              <a:rPr lang="en-US" altLang="zh-CN" sz="2000" dirty="0" smtClean="0">
+              <a:rPr lang="en-US" altLang="zh-CN" sz="2000" dirty="0">
                 <a:latin typeface="微软雅黑" pitchFamily="34" charset="-122"/>
                 <a:ea typeface="微软雅黑" pitchFamily="34" charset="-122"/>
               </a:rPr>
-              <a:t>	</a:t>
+              <a:t>	2</a:t>
             </a:r>
             <a:r>
-              <a:rPr lang="en-US" altLang="zh-CN" sz="2000" dirty="0" smtClean="0">
-                <a:latin typeface="微软雅黑" pitchFamily="34" charset="-122"/>
-                <a:ea typeface="微软雅黑" pitchFamily="34" charset="-122"/>
-              </a:rPr>
-              <a:t>2</a:t>
-            </a:r>
-            <a:r>
-              <a:rPr lang="zh-CN" altLang="en-US" sz="2000" dirty="0" smtClean="0">
+              <a:rPr lang="zh-CN" altLang="en-US" sz="2000" dirty="0">
                 <a:latin typeface="微软雅黑" pitchFamily="34" charset="-122"/>
                 <a:ea typeface="微软雅黑" pitchFamily="34" charset="-122"/>
               </a:rPr>
               <a:t>、</a:t>
             </a:r>
             <a:r>
-              <a:rPr lang="en-US" altLang="zh-CN" sz="2000" dirty="0" smtClean="0">
+              <a:rPr lang="en-US" altLang="zh-CN" sz="2000" dirty="0">
                 <a:latin typeface="微软雅黑" pitchFamily="34" charset="-122"/>
                 <a:ea typeface="微软雅黑" pitchFamily="34" charset="-122"/>
               </a:rPr>
               <a:t>getter</a:t>
             </a:r>
             <a:r>
-              <a:rPr lang="zh-CN" altLang="en-US" sz="2000" dirty="0" smtClean="0">
+              <a:rPr lang="zh-CN" altLang="en-US" sz="2000" dirty="0">
                 <a:latin typeface="微软雅黑" pitchFamily="34" charset="-122"/>
                 <a:ea typeface="微软雅黑" pitchFamily="34" charset="-122"/>
               </a:rPr>
@@ -12290,13 +12670,6 @@
     <a:masterClrMapping/>
   </p:clrMapOvr>
   <p:transition spd="slow" advClick="0"/>
-  <p:timing>
-    <p:tnLst>
-      <p:par>
-        <p:cTn id="1" dur="indefinite" restart="never" nodeType="tmRoot"/>
-      </p:par>
-    </p:tnLst>
-  </p:timing>
 </p:sld>
 </file>
 
@@ -14862,7 +15235,7 @@
             <a:p>
               <a:pPr algn="ctr"/>
               <a:r>
-                <a:rPr lang="en-US" altLang="zh-CN" sz="2000" b="1" dirty="0" smtClean="0">
+                <a:rPr lang="en-US" altLang="zh-CN" sz="2000" b="1" dirty="0">
                   <a:solidFill>
                     <a:schemeClr val="bg1"/>
                   </a:solidFill>
@@ -15021,27 +15394,20 @@
               </a:lnSpc>
             </a:pPr>
             <a:r>
-              <a:rPr lang="en-US" altLang="zh-CN" sz="2000" dirty="0" smtClean="0">
+              <a:rPr lang="en-US" altLang="zh-CN" sz="2000" dirty="0">
                 <a:latin typeface="微软雅黑" pitchFamily="34" charset="-122"/>
                 <a:ea typeface="微软雅黑" pitchFamily="34" charset="-122"/>
               </a:rPr>
               <a:t>	</a:t>
             </a:r>
             <a:r>
-              <a:rPr lang="zh-CN" altLang="en-US" sz="2200" dirty="0" smtClean="0">
+              <a:rPr lang="zh-CN" altLang="en-US" sz="2200" dirty="0">
                 <a:latin typeface="微软雅黑" pitchFamily="34" charset="-122"/>
                 <a:ea typeface="微软雅黑" pitchFamily="34" charset="-122"/>
               </a:rPr>
-              <a:t>从视图出发的数据，怎么收</a:t>
+              <a:t>从视图出发的数据，怎么收集或者分离出来？</a:t>
             </a:r>
-            <a:r>
-              <a:rPr lang="zh-CN" altLang="en-US" sz="2200" dirty="0" smtClean="0">
-                <a:latin typeface="微软雅黑" pitchFamily="34" charset="-122"/>
-                <a:ea typeface="微软雅黑" pitchFamily="34" charset="-122"/>
-              </a:rPr>
-              <a:t>集或者分离来？</a:t>
-            </a:r>
-            <a:endParaRPr lang="en-US" altLang="zh-CN" sz="2000" dirty="0" smtClean="0">
+            <a:endParaRPr lang="en-US" altLang="zh-CN" sz="2000" dirty="0">
               <a:latin typeface="微软雅黑" pitchFamily="34" charset="-122"/>
               <a:ea typeface="微软雅黑" pitchFamily="34" charset="-122"/>
             </a:endParaRPr>
@@ -15053,7 +15419,7 @@
               </a:lnSpc>
             </a:pPr>
             <a:r>
-              <a:rPr lang="en-US" altLang="zh-CN" sz="2000" dirty="0" smtClean="0">
+              <a:rPr lang="en-US" altLang="zh-CN" sz="2000" dirty="0">
                 <a:latin typeface="微软雅黑" pitchFamily="34" charset="-122"/>
                 <a:ea typeface="微软雅黑" pitchFamily="34" charset="-122"/>
               </a:rPr>
@@ -15072,13 +15438,6 @@
     <a:masterClrMapping/>
   </p:clrMapOvr>
   <p:transition spd="slow" advClick="0"/>
-  <p:timing>
-    <p:tnLst>
-      <p:par>
-        <p:cTn id="1" dur="indefinite" restart="never" nodeType="tmRoot"/>
-      </p:par>
-    </p:tnLst>
-  </p:timing>
 </p:sld>
 </file>
 
@@ -17644,7 +18003,7 @@
             <a:p>
               <a:pPr algn="ctr"/>
               <a:r>
-                <a:rPr lang="en-US" altLang="zh-CN" sz="2000" b="1" dirty="0" smtClean="0">
+                <a:rPr lang="en-US" altLang="zh-CN" sz="2000" b="1" dirty="0">
                   <a:solidFill>
                     <a:schemeClr val="bg1"/>
                   </a:solidFill>
@@ -17803,28 +18162,28 @@
               </a:lnSpc>
             </a:pPr>
             <a:r>
-              <a:rPr lang="en-US" altLang="zh-CN" sz="2200" dirty="0" smtClean="0">
+              <a:rPr lang="en-US" altLang="zh-CN" sz="2200" dirty="0">
                 <a:latin typeface="微软雅黑" pitchFamily="34" charset="-122"/>
                 <a:ea typeface="微软雅黑" pitchFamily="34" charset="-122"/>
               </a:rPr>
               <a:t>	</a:t>
             </a:r>
             <a:r>
-              <a:rPr lang="en-US" altLang="zh-CN" sz="2800" dirty="0" smtClean="0">
+              <a:rPr lang="en-US" altLang="zh-CN" sz="2800" dirty="0">
                 <a:latin typeface="微软雅黑" pitchFamily="34" charset="-122"/>
                 <a:ea typeface="微软雅黑" pitchFamily="34" charset="-122"/>
               </a:rPr>
               <a:t>Compile</a:t>
             </a:r>
             <a:r>
-              <a:rPr lang="zh-CN" altLang="en-US" sz="2800" dirty="0" smtClean="0">
+              <a:rPr lang="zh-CN" altLang="en-US" sz="2800" dirty="0">
                 <a:latin typeface="微软雅黑" pitchFamily="34" charset="-122"/>
                 <a:ea typeface="微软雅黑" pitchFamily="34" charset="-122"/>
               </a:rPr>
               <a:t>（编译器）</a:t>
             </a:r>
             <a:r>
-              <a:rPr lang="en-US" altLang="zh-CN" sz="2800" dirty="0" smtClean="0">
+              <a:rPr lang="en-US" altLang="zh-CN" sz="2800" dirty="0">
                 <a:latin typeface="微软雅黑" pitchFamily="34" charset="-122"/>
                 <a:ea typeface="微软雅黑" pitchFamily="34" charset="-122"/>
               </a:rPr>
@@ -17864,35 +18223,35 @@
               </a:lnSpc>
             </a:pPr>
             <a:r>
-              <a:rPr lang="en-US" altLang="zh-CN" sz="2000" dirty="0" smtClean="0">
+              <a:rPr lang="en-US" altLang="zh-CN" sz="2000" dirty="0">
                 <a:latin typeface="微软雅黑" pitchFamily="34" charset="-122"/>
                 <a:ea typeface="微软雅黑" pitchFamily="34" charset="-122"/>
               </a:rPr>
               <a:t>	1</a:t>
             </a:r>
             <a:r>
-              <a:rPr lang="zh-CN" altLang="en-US" sz="2000" dirty="0" smtClean="0">
+              <a:rPr lang="zh-CN" altLang="en-US" sz="2000" dirty="0">
                 <a:latin typeface="微软雅黑" pitchFamily="34" charset="-122"/>
                 <a:ea typeface="微软雅黑" pitchFamily="34" charset="-122"/>
               </a:rPr>
               <a:t>、</a:t>
             </a:r>
             <a:r>
-              <a:rPr lang="en-US" altLang="zh-CN" sz="2000" dirty="0" smtClean="0">
+              <a:rPr lang="en-US" altLang="zh-CN" sz="2000" dirty="0">
                 <a:latin typeface="微软雅黑" pitchFamily="34" charset="-122"/>
                 <a:ea typeface="微软雅黑" pitchFamily="34" charset="-122"/>
               </a:rPr>
               <a:t>DOM</a:t>
             </a:r>
             <a:r>
-              <a:rPr lang="zh-CN" altLang="en-US" sz="2000" dirty="0" smtClean="0">
+              <a:rPr lang="zh-CN" altLang="en-US" sz="2000" dirty="0">
                 <a:latin typeface="微软雅黑" pitchFamily="34" charset="-122"/>
                 <a:ea typeface="微软雅黑" pitchFamily="34" charset="-122"/>
               </a:rPr>
               <a:t>节点转化成</a:t>
             </a:r>
             <a:r>
-              <a:rPr lang="en-US" altLang="zh-CN" sz="2000" dirty="0" smtClean="0">
+              <a:rPr lang="en-US" altLang="zh-CN" sz="2000" dirty="0">
                 <a:latin typeface="微软雅黑" pitchFamily="34" charset="-122"/>
                 <a:ea typeface="微软雅黑" pitchFamily="34" charset="-122"/>
               </a:rPr>
@@ -17906,35 +18265,28 @@
               </a:lnSpc>
             </a:pPr>
             <a:r>
-              <a:rPr lang="en-US" altLang="zh-CN" sz="2000" dirty="0" smtClean="0">
+              <a:rPr lang="en-US" altLang="zh-CN" sz="2000" dirty="0">
                 <a:latin typeface="微软雅黑" pitchFamily="34" charset="-122"/>
                 <a:ea typeface="微软雅黑" pitchFamily="34" charset="-122"/>
               </a:rPr>
-              <a:t>	</a:t>
+              <a:t>	2</a:t>
             </a:r>
             <a:r>
-              <a:rPr lang="en-US" altLang="zh-CN" sz="2000" dirty="0" smtClean="0">
-                <a:latin typeface="微软雅黑" pitchFamily="34" charset="-122"/>
-                <a:ea typeface="微软雅黑" pitchFamily="34" charset="-122"/>
-              </a:rPr>
-              <a:t>2</a:t>
-            </a:r>
-            <a:r>
-              <a:rPr lang="zh-CN" altLang="en-US" sz="2000" dirty="0" smtClean="0">
+              <a:rPr lang="zh-CN" altLang="en-US" sz="2000" dirty="0">
                 <a:latin typeface="微软雅黑" pitchFamily="34" charset="-122"/>
                 <a:ea typeface="微软雅黑" pitchFamily="34" charset="-122"/>
               </a:rPr>
               <a:t>、提取出文本节点跟</a:t>
             </a:r>
             <a:r>
-              <a:rPr lang="en-US" altLang="zh-CN" sz="2000" dirty="0" smtClean="0">
+              <a:rPr lang="en-US" altLang="zh-CN" sz="2000" dirty="0">
                 <a:latin typeface="微软雅黑" pitchFamily="34" charset="-122"/>
                 <a:ea typeface="微软雅黑" pitchFamily="34" charset="-122"/>
               </a:rPr>
               <a:t>data</a:t>
             </a:r>
             <a:r>
-              <a:rPr lang="zh-CN" altLang="en-US" sz="2000" dirty="0" smtClean="0">
+              <a:rPr lang="zh-CN" altLang="en-US" sz="2000" dirty="0">
                 <a:latin typeface="微软雅黑" pitchFamily="34" charset="-122"/>
                 <a:ea typeface="微软雅黑" pitchFamily="34" charset="-122"/>
               </a:rPr>
@@ -17953,13 +18305,6 @@
     <a:masterClrMapping/>
   </p:clrMapOvr>
   <p:transition spd="slow" advClick="0"/>
-  <p:timing>
-    <p:tnLst>
-      <p:par>
-        <p:cTn id="1" dur="indefinite" restart="never" nodeType="tmRoot"/>
-      </p:par>
-    </p:tnLst>
-  </p:timing>
 </p:sld>
 </file>
 
@@ -20525,7 +20870,7 @@
             <a:p>
               <a:pPr algn="ctr"/>
               <a:r>
-                <a:rPr lang="en-US" altLang="zh-CN" sz="2000" b="1" dirty="0" smtClean="0">
+                <a:rPr lang="en-US" altLang="zh-CN" sz="2000" b="1" dirty="0">
                   <a:solidFill>
                     <a:schemeClr val="bg1"/>
                   </a:solidFill>
@@ -20684,7 +21029,7 @@
               </a:lnSpc>
             </a:pPr>
             <a:r>
-              <a:rPr lang="en-US" altLang="zh-CN" sz="2000" dirty="0" smtClean="0">
+              <a:rPr lang="en-US" altLang="zh-CN" sz="2000" dirty="0">
                 <a:latin typeface="微软雅黑" pitchFamily="34" charset="-122"/>
                 <a:ea typeface="微软雅黑" pitchFamily="34" charset="-122"/>
               </a:rPr>
@@ -20698,7 +21043,7 @@
               </a:lnSpc>
             </a:pPr>
             <a:r>
-              <a:rPr lang="en-US" altLang="zh-CN" sz="2000" dirty="0" smtClean="0">
+              <a:rPr lang="en-US" altLang="zh-CN" sz="2000" dirty="0">
                 <a:latin typeface="微软雅黑" pitchFamily="34" charset="-122"/>
                 <a:ea typeface="微软雅黑" pitchFamily="34" charset="-122"/>
               </a:rPr>
@@ -20743,13 +21088,6 @@
     <a:masterClrMapping/>
   </p:clrMapOvr>
   <p:transition spd="slow" advClick="0"/>
-  <p:timing>
-    <p:tnLst>
-      <p:par>
-        <p:cTn id="1" dur="indefinite" restart="never" nodeType="tmRoot"/>
-      </p:par>
-    </p:tnLst>
-  </p:timing>
 </p:sld>
 </file>
 
@@ -23315,7 +23653,7 @@
             <a:p>
               <a:pPr algn="ctr"/>
               <a:r>
-                <a:rPr lang="en-US" altLang="zh-CN" sz="2000" b="1" dirty="0" smtClean="0">
+                <a:rPr lang="en-US" altLang="zh-CN" sz="2000" b="1" dirty="0">
                   <a:solidFill>
                     <a:schemeClr val="bg1"/>
                   </a:solidFill>
@@ -23474,27 +23812,27 @@
               </a:lnSpc>
             </a:pPr>
             <a:r>
-              <a:rPr lang="en-US" altLang="zh-CN" sz="2000" dirty="0" smtClean="0">
+              <a:rPr lang="en-US" altLang="zh-CN" sz="2000" dirty="0">
                 <a:latin typeface="微软雅黑" pitchFamily="34" charset="-122"/>
                 <a:ea typeface="微软雅黑" pitchFamily="34" charset="-122"/>
               </a:rPr>
               <a:t>	</a:t>
             </a:r>
             <a:r>
-              <a:rPr lang="zh-CN" altLang="en-US" sz="2000" dirty="0" smtClean="0">
+              <a:rPr lang="zh-CN" altLang="en-US" sz="2000" dirty="0">
                 <a:latin typeface="微软雅黑" pitchFamily="34" charset="-122"/>
                 <a:ea typeface="微软雅黑" pitchFamily="34" charset="-122"/>
               </a:rPr>
               <a:t>说好的，我们的双向数据绑定呢</a:t>
             </a:r>
             <a:r>
-              <a:rPr lang="zh-CN" altLang="en-US" sz="2200" dirty="0" smtClean="0">
+              <a:rPr lang="zh-CN" altLang="en-US" sz="2200" dirty="0">
                 <a:latin typeface="微软雅黑" pitchFamily="34" charset="-122"/>
                 <a:ea typeface="微软雅黑" pitchFamily="34" charset="-122"/>
               </a:rPr>
               <a:t>？</a:t>
             </a:r>
-            <a:endParaRPr lang="en-US" altLang="zh-CN" sz="2000" dirty="0" smtClean="0">
+            <a:endParaRPr lang="en-US" altLang="zh-CN" sz="2000" dirty="0">
               <a:latin typeface="微软雅黑" pitchFamily="34" charset="-122"/>
               <a:ea typeface="微软雅黑" pitchFamily="34" charset="-122"/>
             </a:endParaRPr>
@@ -23506,7 +23844,7 @@
               </a:lnSpc>
             </a:pPr>
             <a:r>
-              <a:rPr lang="en-US" altLang="zh-CN" sz="2000" dirty="0" smtClean="0">
+              <a:rPr lang="en-US" altLang="zh-CN" sz="2000" dirty="0">
                 <a:latin typeface="微软雅黑" pitchFamily="34" charset="-122"/>
                 <a:ea typeface="微软雅黑" pitchFamily="34" charset="-122"/>
               </a:rPr>
@@ -23525,13 +23863,6 @@
     <a:masterClrMapping/>
   </p:clrMapOvr>
   <p:transition spd="slow" advClick="0"/>
-  <p:timing>
-    <p:tnLst>
-      <p:par>
-        <p:cTn id="1" dur="indefinite" restart="never" nodeType="tmRoot"/>
-      </p:par>
-    </p:tnLst>
-  </p:timing>
 </p:sld>
 </file>
 
@@ -26097,7 +26428,7 @@
             <a:p>
               <a:pPr algn="ctr"/>
               <a:r>
-                <a:rPr lang="en-US" altLang="zh-CN" sz="2000" b="1" dirty="0" smtClean="0">
+                <a:rPr lang="en-US" altLang="zh-CN" sz="2000" b="1" dirty="0">
                   <a:solidFill>
                     <a:schemeClr val="bg1"/>
                   </a:solidFill>
@@ -26256,28 +26587,28 @@
               </a:lnSpc>
             </a:pPr>
             <a:r>
-              <a:rPr lang="en-US" altLang="zh-CN" sz="2200" dirty="0" smtClean="0">
+              <a:rPr lang="en-US" altLang="zh-CN" sz="2200" dirty="0">
                 <a:latin typeface="微软雅黑" pitchFamily="34" charset="-122"/>
                 <a:ea typeface="微软雅黑" pitchFamily="34" charset="-122"/>
               </a:rPr>
               <a:t>	</a:t>
             </a:r>
             <a:r>
-              <a:rPr lang="en-US" altLang="zh-CN" sz="2800" dirty="0" smtClean="0">
+              <a:rPr lang="en-US" altLang="zh-CN" sz="2800" dirty="0">
                 <a:latin typeface="微软雅黑" pitchFamily="34" charset="-122"/>
                 <a:ea typeface="微软雅黑" pitchFamily="34" charset="-122"/>
               </a:rPr>
               <a:t>v-xxx</a:t>
             </a:r>
             <a:r>
-              <a:rPr lang="zh-CN" altLang="en-US" sz="2800" dirty="0" smtClean="0">
+              <a:rPr lang="zh-CN" altLang="en-US" sz="2800" dirty="0">
                 <a:latin typeface="微软雅黑" pitchFamily="34" charset="-122"/>
                 <a:ea typeface="微软雅黑" pitchFamily="34" charset="-122"/>
               </a:rPr>
               <a:t>的实现</a:t>
             </a:r>
             <a:r>
-              <a:rPr lang="en-US" altLang="zh-CN" sz="2800" dirty="0" smtClean="0">
+              <a:rPr lang="en-US" altLang="zh-CN" sz="2800" dirty="0">
                 <a:latin typeface="微软雅黑" pitchFamily="34" charset="-122"/>
                 <a:ea typeface="微软雅黑" pitchFamily="34" charset="-122"/>
               </a:rPr>
@@ -26317,34 +26648,34 @@
               </a:lnSpc>
             </a:pPr>
             <a:r>
-              <a:rPr lang="en-US" altLang="zh-CN" sz="2000" dirty="0" smtClean="0">
+              <a:rPr lang="en-US" altLang="zh-CN" sz="2000" dirty="0">
                 <a:latin typeface="微软雅黑" pitchFamily="34" charset="-122"/>
                 <a:ea typeface="微软雅黑" pitchFamily="34" charset="-122"/>
               </a:rPr>
               <a:t>	1</a:t>
             </a:r>
             <a:r>
-              <a:rPr lang="zh-CN" altLang="en-US" sz="2000" dirty="0" smtClean="0">
+              <a:rPr lang="zh-CN" altLang="en-US" sz="2000" dirty="0">
                 <a:latin typeface="微软雅黑" pitchFamily="34" charset="-122"/>
                 <a:ea typeface="微软雅黑" pitchFamily="34" charset="-122"/>
               </a:rPr>
               <a:t>、双向数据绑定</a:t>
             </a:r>
             <a:r>
-              <a:rPr lang="en-US" altLang="zh-CN" sz="2000" dirty="0" smtClean="0">
+              <a:rPr lang="en-US" altLang="zh-CN" sz="2000" dirty="0">
                 <a:latin typeface="微软雅黑" pitchFamily="34" charset="-122"/>
                 <a:ea typeface="微软雅黑" pitchFamily="34" charset="-122"/>
               </a:rPr>
               <a:t>v-model:xxx</a:t>
             </a:r>
             <a:r>
-              <a:rPr lang="zh-CN" altLang="en-US" sz="2000" dirty="0" smtClean="0">
+              <a:rPr lang="zh-CN" altLang="en-US" sz="2000" dirty="0">
                 <a:latin typeface="微软雅黑" pitchFamily="34" charset="-122"/>
                 <a:ea typeface="微软雅黑" pitchFamily="34" charset="-122"/>
               </a:rPr>
               <a:t>的实现</a:t>
             </a:r>
-            <a:endParaRPr lang="en-US" altLang="zh-CN" sz="2000" dirty="0" smtClean="0">
+            <a:endParaRPr lang="en-US" altLang="zh-CN" sz="2000" dirty="0">
               <a:latin typeface="微软雅黑" pitchFamily="34" charset="-122"/>
               <a:ea typeface="微软雅黑" pitchFamily="34" charset="-122"/>
             </a:endParaRPr>
@@ -26356,84 +26687,70 @@
               </a:lnSpc>
             </a:pPr>
             <a:r>
-              <a:rPr lang="en-US" altLang="zh-CN" sz="2000" dirty="0" smtClean="0">
+              <a:rPr lang="en-US" altLang="zh-CN" sz="2000" dirty="0">
                 <a:latin typeface="微软雅黑" pitchFamily="34" charset="-122"/>
                 <a:ea typeface="微软雅黑" pitchFamily="34" charset="-122"/>
               </a:rPr>
-              <a:t>	</a:t>
+              <a:t>	2</a:t>
             </a:r>
             <a:r>
-              <a:rPr lang="en-US" altLang="zh-CN" sz="2000" dirty="0" smtClean="0">
-                <a:latin typeface="微软雅黑" pitchFamily="34" charset="-122"/>
-                <a:ea typeface="微软雅黑" pitchFamily="34" charset="-122"/>
-              </a:rPr>
-              <a:t>2</a:t>
-            </a:r>
-            <a:r>
-              <a:rPr lang="zh-CN" altLang="en-US" sz="2000" dirty="0" smtClean="0">
+              <a:rPr lang="zh-CN" altLang="en-US" sz="2000" dirty="0">
                 <a:latin typeface="微软雅黑" pitchFamily="34" charset="-122"/>
                 <a:ea typeface="微软雅黑" pitchFamily="34" charset="-122"/>
               </a:rPr>
               <a:t>、常用的指令</a:t>
             </a:r>
             <a:r>
-              <a:rPr lang="en-US" altLang="zh-CN" sz="2000" dirty="0" smtClean="0">
+              <a:rPr lang="en-US" altLang="zh-CN" sz="2000" dirty="0">
                 <a:latin typeface="微软雅黑" pitchFamily="34" charset="-122"/>
                 <a:ea typeface="微软雅黑" pitchFamily="34" charset="-122"/>
               </a:rPr>
               <a:t>v-bind:xxx</a:t>
             </a:r>
             <a:r>
-              <a:rPr lang="zh-CN" altLang="en-US" sz="2000" dirty="0" smtClean="0">
+              <a:rPr lang="zh-CN" altLang="en-US" sz="2000" dirty="0">
                 <a:latin typeface="微软雅黑" pitchFamily="34" charset="-122"/>
                 <a:ea typeface="微软雅黑" pitchFamily="34" charset="-122"/>
               </a:rPr>
               <a:t>（</a:t>
             </a:r>
             <a:r>
-              <a:rPr lang="en-US" altLang="zh-CN" sz="2000" dirty="0" smtClean="0">
+              <a:rPr lang="en-US" altLang="zh-CN" sz="2000" dirty="0">
                 <a:latin typeface="微软雅黑" pitchFamily="34" charset="-122"/>
                 <a:ea typeface="微软雅黑" pitchFamily="34" charset="-122"/>
               </a:rPr>
               <a:t>:xxx</a:t>
             </a:r>
             <a:r>
-              <a:rPr lang="zh-CN" altLang="en-US" sz="2000" dirty="0" smtClean="0">
+              <a:rPr lang="zh-CN" altLang="en-US" sz="2000" dirty="0">
                 <a:latin typeface="微软雅黑" pitchFamily="34" charset="-122"/>
                 <a:ea typeface="微软雅黑" pitchFamily="34" charset="-122"/>
               </a:rPr>
               <a:t>），</a:t>
             </a:r>
             <a:r>
-              <a:rPr lang="en-US" altLang="zh-CN" sz="2000" dirty="0" smtClean="0">
+              <a:rPr lang="en-US" altLang="zh-CN" sz="2000" dirty="0">
                 <a:latin typeface="微软雅黑" pitchFamily="34" charset="-122"/>
                 <a:ea typeface="微软雅黑" pitchFamily="34" charset="-122"/>
               </a:rPr>
               <a:t>v-on:xxx</a:t>
             </a:r>
             <a:r>
-              <a:rPr lang="zh-CN" altLang="en-US" sz="2000" dirty="0" smtClean="0">
+              <a:rPr lang="zh-CN" altLang="en-US" sz="2000" dirty="0">
                 <a:latin typeface="微软雅黑" pitchFamily="34" charset="-122"/>
                 <a:ea typeface="微软雅黑" pitchFamily="34" charset="-122"/>
               </a:rPr>
               <a:t>（</a:t>
             </a:r>
             <a:r>
-              <a:rPr lang="en-US" altLang="zh-CN" sz="2000" dirty="0" smtClean="0">
+              <a:rPr lang="en-US" altLang="zh-CN" sz="2000" dirty="0">
                 <a:latin typeface="微软雅黑" pitchFamily="34" charset="-122"/>
                 <a:ea typeface="微软雅黑" pitchFamily="34" charset="-122"/>
               </a:rPr>
-              <a:t>@</a:t>
+              <a:t>@xxx</a:t>
             </a:r>
             <a:r>
-              <a:rPr lang="en-US" altLang="zh-CN" sz="2000" dirty="0" smtClean="0">
-                <a:latin typeface="微软雅黑" pitchFamily="34" charset="-122"/>
-                <a:ea typeface="微软雅黑" pitchFamily="34" charset="-122"/>
-              </a:rPr>
-              <a:t>xxx</a:t>
-            </a:r>
-            <a:r>
-              <a:rPr lang="zh-CN" altLang="en-US" sz="2000" dirty="0" smtClean="0">
+              <a:rPr lang="zh-CN" altLang="en-US" sz="2000" dirty="0">
                 <a:latin typeface="微软雅黑" pitchFamily="34" charset="-122"/>
                 <a:ea typeface="微软雅黑" pitchFamily="34" charset="-122"/>
               </a:rPr>
@@ -26452,13 +26769,6 @@
     <a:masterClrMapping/>
   </p:clrMapOvr>
   <p:transition spd="slow" advClick="0"/>
-  <p:timing>
-    <p:tnLst>
-      <p:par>
-        <p:cTn id="1" dur="indefinite" restart="never" nodeType="tmRoot"/>
-      </p:par>
-    </p:tnLst>
-  </p:timing>
 </p:sld>
 </file>
 
@@ -29024,7 +29334,7 @@
             <a:p>
               <a:pPr algn="ctr"/>
               <a:r>
-                <a:rPr lang="en-US" altLang="zh-CN" sz="2000" b="1" dirty="0" smtClean="0">
+                <a:rPr lang="en-US" altLang="zh-CN" sz="2000" b="1" dirty="0">
                   <a:solidFill>
                     <a:schemeClr val="bg1"/>
                   </a:solidFill>
@@ -29183,48 +29493,48 @@
               </a:lnSpc>
             </a:pPr>
             <a:r>
-              <a:rPr lang="en-US" altLang="zh-CN" sz="2000" dirty="0" smtClean="0">
+              <a:rPr lang="en-US" altLang="zh-CN" sz="2000" dirty="0">
                 <a:latin typeface="微软雅黑" pitchFamily="34" charset="-122"/>
                 <a:ea typeface="微软雅黑" pitchFamily="34" charset="-122"/>
               </a:rPr>
               <a:t>	1</a:t>
             </a:r>
             <a:r>
-              <a:rPr lang="zh-CN" altLang="en-US" sz="2000" dirty="0" smtClean="0">
+              <a:rPr lang="zh-CN" altLang="en-US" sz="2000" dirty="0">
                 <a:latin typeface="微软雅黑" pitchFamily="34" charset="-122"/>
                 <a:ea typeface="微软雅黑" pitchFamily="34" charset="-122"/>
               </a:rPr>
               <a:t>、每次调用</a:t>
             </a:r>
             <a:r>
-              <a:rPr lang="en-US" altLang="zh-CN" sz="2000" dirty="0" smtClean="0">
+              <a:rPr lang="en-US" altLang="zh-CN" sz="2000" dirty="0">
                 <a:latin typeface="微软雅黑" pitchFamily="34" charset="-122"/>
                 <a:ea typeface="微软雅黑" pitchFamily="34" charset="-122"/>
               </a:rPr>
               <a:t>vm.data.attribute</a:t>
             </a:r>
             <a:r>
-              <a:rPr lang="zh-CN" altLang="en-US" sz="2000" dirty="0" smtClean="0">
+              <a:rPr lang="zh-CN" altLang="en-US" sz="2000" dirty="0">
                 <a:latin typeface="微软雅黑" pitchFamily="34" charset="-122"/>
                 <a:ea typeface="微软雅黑" pitchFamily="34" charset="-122"/>
               </a:rPr>
               <a:t>用获取数据，不免有些麻烦，如何实现直接</a:t>
             </a:r>
             <a:r>
-              <a:rPr lang="en-US" altLang="zh-CN" sz="2000" dirty="0" smtClean="0">
+              <a:rPr lang="en-US" altLang="zh-CN" sz="2000" dirty="0">
                 <a:latin typeface="微软雅黑" pitchFamily="34" charset="-122"/>
                 <a:ea typeface="微软雅黑" pitchFamily="34" charset="-122"/>
               </a:rPr>
               <a:t>vm.attribute</a:t>
             </a:r>
             <a:r>
-              <a:rPr lang="zh-CN" altLang="en-US" sz="2000" dirty="0" smtClean="0">
+              <a:rPr lang="zh-CN" altLang="en-US" sz="2000" dirty="0">
                 <a:latin typeface="微软雅黑" pitchFamily="34" charset="-122"/>
                 <a:ea typeface="微软雅黑" pitchFamily="34" charset="-122"/>
               </a:rPr>
               <a:t>？</a:t>
             </a:r>
-            <a:endParaRPr lang="en-US" altLang="zh-CN" sz="2000" dirty="0" smtClean="0">
+            <a:endParaRPr lang="en-US" altLang="zh-CN" sz="2000" dirty="0">
               <a:latin typeface="微软雅黑" pitchFamily="34" charset="-122"/>
               <a:ea typeface="微软雅黑" pitchFamily="34" charset="-122"/>
             </a:endParaRPr>
@@ -29236,48 +29546,34 @@
               </a:lnSpc>
             </a:pPr>
             <a:r>
-              <a:rPr lang="en-US" altLang="zh-CN" sz="2000" dirty="0" smtClean="0">
+              <a:rPr lang="en-US" altLang="zh-CN" sz="2000" dirty="0">
                 <a:latin typeface="微软雅黑" pitchFamily="34" charset="-122"/>
                 <a:ea typeface="微软雅黑" pitchFamily="34" charset="-122"/>
               </a:rPr>
-              <a:t>	</a:t>
+              <a:t>	2</a:t>
             </a:r>
             <a:r>
-              <a:rPr lang="en-US" altLang="zh-CN" sz="2000" dirty="0" smtClean="0">
-                <a:latin typeface="微软雅黑" pitchFamily="34" charset="-122"/>
-                <a:ea typeface="微软雅黑" pitchFamily="34" charset="-122"/>
-              </a:rPr>
-              <a:t>2</a:t>
-            </a:r>
-            <a:r>
-              <a:rPr lang="zh-CN" altLang="en-US" sz="2000" dirty="0" smtClean="0">
+              <a:rPr lang="zh-CN" altLang="en-US" sz="2000" dirty="0">
                 <a:latin typeface="微软雅黑" pitchFamily="34" charset="-122"/>
                 <a:ea typeface="微软雅黑" pitchFamily="34" charset="-122"/>
               </a:rPr>
               <a:t>、目前修改</a:t>
             </a:r>
             <a:r>
-              <a:rPr lang="en-US" altLang="zh-CN" sz="2000" dirty="0" smtClean="0">
+              <a:rPr lang="en-US" altLang="zh-CN" sz="2000" dirty="0">
                 <a:latin typeface="微软雅黑" pitchFamily="34" charset="-122"/>
                 <a:ea typeface="微软雅黑" pitchFamily="34" charset="-122"/>
               </a:rPr>
               <a:t>data</a:t>
             </a:r>
             <a:r>
-              <a:rPr lang="zh-CN" altLang="en-US" sz="2000" dirty="0" smtClean="0">
+              <a:rPr lang="zh-CN" altLang="en-US" sz="2000" dirty="0">
                 <a:latin typeface="微软雅黑" pitchFamily="34" charset="-122"/>
                 <a:ea typeface="微软雅黑" pitchFamily="34" charset="-122"/>
               </a:rPr>
-              <a:t>，只能获取到一层，如何实现修改任意层</a:t>
+              <a:t>，只能获取到一层，如何实现修改任意层？</a:t>
             </a:r>
-            <a:r>
-              <a:rPr lang="zh-CN" altLang="en-US" sz="2000" dirty="0" smtClean="0">
-                <a:latin typeface="微软雅黑" pitchFamily="34" charset="-122"/>
-                <a:ea typeface="微软雅黑" pitchFamily="34" charset="-122"/>
-              </a:rPr>
-              <a:t>？</a:t>
-            </a:r>
-            <a:endParaRPr lang="en-US" altLang="zh-CN" sz="2000" dirty="0" smtClean="0">
+            <a:endParaRPr lang="en-US" altLang="zh-CN" sz="2000" dirty="0">
               <a:latin typeface="微软雅黑" pitchFamily="34" charset="-122"/>
               <a:ea typeface="微软雅黑" pitchFamily="34" charset="-122"/>
             </a:endParaRPr>
@@ -29289,14 +29585,14 @@
               </a:lnSpc>
             </a:pPr>
             <a:r>
-              <a:rPr lang="en-US" altLang="zh-CN" sz="2000" dirty="0" smtClean="0">
+              <a:rPr lang="en-US" altLang="zh-CN" sz="2000" dirty="0">
                 <a:latin typeface="微软雅黑" pitchFamily="34" charset="-122"/>
                 <a:ea typeface="微软雅黑" pitchFamily="34" charset="-122"/>
               </a:rPr>
               <a:t>	3</a:t>
             </a:r>
             <a:r>
-              <a:rPr lang="zh-CN" altLang="en-US" sz="2000" dirty="0" smtClean="0">
+              <a:rPr lang="zh-CN" altLang="en-US" sz="2000" dirty="0">
                 <a:latin typeface="微软雅黑" pitchFamily="34" charset="-122"/>
                 <a:ea typeface="微软雅黑" pitchFamily="34" charset="-122"/>
               </a:rPr>
@@ -29309,7 +29605,7 @@
                 <a:spcPct val="150000"/>
               </a:lnSpc>
             </a:pPr>
-            <a:endParaRPr lang="zh-CN" altLang="en-US" sz="2000" dirty="0" smtClean="0">
+            <a:endParaRPr lang="zh-CN" altLang="en-US" sz="2000" dirty="0">
               <a:latin typeface="微软雅黑" pitchFamily="34" charset="-122"/>
               <a:ea typeface="微软雅黑" pitchFamily="34" charset="-122"/>
             </a:endParaRPr>
@@ -29320,7 +29616,7 @@
                 <a:spcPct val="150000"/>
               </a:lnSpc>
             </a:pPr>
-            <a:endParaRPr lang="zh-CN" altLang="en-US" sz="2000" dirty="0" smtClean="0">
+            <a:endParaRPr lang="zh-CN" altLang="en-US" sz="2000" dirty="0">
               <a:latin typeface="微软雅黑" pitchFamily="34" charset="-122"/>
               <a:ea typeface="微软雅黑" pitchFamily="34" charset="-122"/>
             </a:endParaRPr>
@@ -29331,7 +29627,7 @@
                 <a:spcPct val="150000"/>
               </a:lnSpc>
             </a:pPr>
-            <a:endParaRPr lang="en-US" altLang="zh-CN" sz="2000" dirty="0" smtClean="0">
+            <a:endParaRPr lang="en-US" altLang="zh-CN" sz="2000" dirty="0">
               <a:latin typeface="微软雅黑" pitchFamily="34" charset="-122"/>
               <a:ea typeface="微软雅黑" pitchFamily="34" charset="-122"/>
             </a:endParaRPr>
@@ -29343,7 +29639,7 @@
               </a:lnSpc>
             </a:pPr>
             <a:r>
-              <a:rPr lang="en-US" altLang="zh-CN" sz="2000" dirty="0" smtClean="0">
+              <a:rPr lang="en-US" altLang="zh-CN" sz="2000" dirty="0">
                 <a:latin typeface="微软雅黑" pitchFamily="34" charset="-122"/>
                 <a:ea typeface="微软雅黑" pitchFamily="34" charset="-122"/>
               </a:rPr>
@@ -29362,13 +29658,6 @@
     <a:masterClrMapping/>
   </p:clrMapOvr>
   <p:transition spd="slow" advClick="0"/>
-  <p:timing>
-    <p:tnLst>
-      <p:par>
-        <p:cTn id="1" dur="indefinite" restart="never" nodeType="tmRoot"/>
-      </p:par>
-    </p:tnLst>
-  </p:timing>
 </p:sld>
 </file>
 
@@ -31934,7 +32223,7 @@
             <a:p>
               <a:pPr algn="ctr"/>
               <a:r>
-                <a:rPr lang="en-US" altLang="zh-CN" sz="2000" b="1" dirty="0" smtClean="0">
+                <a:rPr lang="en-US" altLang="zh-CN" sz="2000" b="1" dirty="0">
                   <a:solidFill>
                     <a:schemeClr val="bg1"/>
                   </a:solidFill>
@@ -32093,21 +32382,21 @@
               </a:lnSpc>
             </a:pPr>
             <a:r>
-              <a:rPr lang="en-US" altLang="zh-CN" sz="2200" dirty="0" smtClean="0">
+              <a:rPr lang="en-US" altLang="zh-CN" sz="2200" dirty="0">
                 <a:latin typeface="微软雅黑" pitchFamily="34" charset="-122"/>
                 <a:ea typeface="微软雅黑" pitchFamily="34" charset="-122"/>
               </a:rPr>
               <a:t>	</a:t>
             </a:r>
             <a:r>
-              <a:rPr lang="zh-CN" altLang="en-US" sz="2200" dirty="0" smtClean="0">
+              <a:rPr lang="zh-CN" altLang="en-US" sz="2200" dirty="0">
                 <a:latin typeface="微软雅黑" pitchFamily="34" charset="-122"/>
                 <a:ea typeface="微软雅黑" pitchFamily="34" charset="-122"/>
               </a:rPr>
               <a:t>关于三点补充问题</a:t>
             </a:r>
             <a:r>
-              <a:rPr lang="en-US" altLang="zh-CN" sz="2800" dirty="0" smtClean="0">
+              <a:rPr lang="en-US" altLang="zh-CN" sz="2800" dirty="0">
                 <a:latin typeface="微软雅黑" pitchFamily="34" charset="-122"/>
                 <a:ea typeface="微软雅黑" pitchFamily="34" charset="-122"/>
               </a:rPr>
@@ -32147,62 +32436,62 @@
               </a:lnSpc>
             </a:pPr>
             <a:r>
-              <a:rPr lang="en-US" altLang="zh-CN" sz="2000" dirty="0" smtClean="0">
+              <a:rPr lang="en-US" altLang="zh-CN" sz="2000" dirty="0">
                 <a:latin typeface="微软雅黑" pitchFamily="34" charset="-122"/>
                 <a:ea typeface="微软雅黑" pitchFamily="34" charset="-122"/>
               </a:rPr>
               <a:t>	1</a:t>
             </a:r>
             <a:r>
-              <a:rPr lang="zh-CN" altLang="en-US" sz="2000" dirty="0" smtClean="0">
+              <a:rPr lang="zh-CN" altLang="en-US" sz="2000" dirty="0">
                 <a:latin typeface="微软雅黑" pitchFamily="34" charset="-122"/>
                 <a:ea typeface="微软雅黑" pitchFamily="34" charset="-122"/>
               </a:rPr>
               <a:t>、</a:t>
             </a:r>
             <a:r>
-              <a:rPr lang="en-US" altLang="zh-CN" sz="2000" dirty="0" smtClean="0">
+              <a:rPr lang="en-US" altLang="zh-CN" sz="2000" dirty="0">
                 <a:latin typeface="微软雅黑" pitchFamily="34" charset="-122"/>
                 <a:ea typeface="微软雅黑" pitchFamily="34" charset="-122"/>
               </a:rPr>
               <a:t>Object.defineProperty</a:t>
             </a:r>
             <a:r>
-              <a:rPr lang="zh-CN" altLang="en-US" sz="2000" dirty="0" smtClean="0">
+              <a:rPr lang="zh-CN" altLang="en-US" sz="2000" dirty="0">
                 <a:latin typeface="微软雅黑" pitchFamily="34" charset="-122"/>
                 <a:ea typeface="微软雅黑" pitchFamily="34" charset="-122"/>
               </a:rPr>
               <a:t>代理</a:t>
             </a:r>
             <a:r>
-              <a:rPr lang="en-US" altLang="zh-CN" sz="2000" dirty="0" smtClean="0">
+              <a:rPr lang="en-US" altLang="zh-CN" sz="2000" dirty="0">
                 <a:latin typeface="微软雅黑" pitchFamily="34" charset="-122"/>
                 <a:ea typeface="微软雅黑" pitchFamily="34" charset="-122"/>
               </a:rPr>
               <a:t>data</a:t>
             </a:r>
             <a:r>
-              <a:rPr lang="zh-CN" altLang="en-US" sz="2000" dirty="0" smtClean="0">
+              <a:rPr lang="zh-CN" altLang="en-US" sz="2000" dirty="0">
                 <a:latin typeface="微软雅黑" pitchFamily="34" charset="-122"/>
                 <a:ea typeface="微软雅黑" pitchFamily="34" charset="-122"/>
               </a:rPr>
               <a:t>属性到</a:t>
             </a:r>
             <a:r>
-              <a:rPr lang="en-US" altLang="zh-CN" sz="2000" dirty="0" smtClean="0">
+              <a:rPr lang="en-US" altLang="zh-CN" sz="2000" dirty="0">
                 <a:latin typeface="微软雅黑" pitchFamily="34" charset="-122"/>
                 <a:ea typeface="微软雅黑" pitchFamily="34" charset="-122"/>
               </a:rPr>
               <a:t>vue</a:t>
             </a:r>
             <a:r>
-              <a:rPr lang="zh-CN" altLang="en-US" sz="2000" dirty="0" smtClean="0">
+              <a:rPr lang="zh-CN" altLang="en-US" sz="2000" dirty="0">
                 <a:latin typeface="微软雅黑" pitchFamily="34" charset="-122"/>
                 <a:ea typeface="微软雅黑" pitchFamily="34" charset="-122"/>
               </a:rPr>
               <a:t>对象上</a:t>
             </a:r>
-            <a:endParaRPr lang="en-US" altLang="zh-CN" sz="2000" dirty="0" smtClean="0">
+            <a:endParaRPr lang="en-US" altLang="zh-CN" sz="2000" dirty="0">
               <a:latin typeface="微软雅黑" pitchFamily="34" charset="-122"/>
               <a:ea typeface="微软雅黑" pitchFamily="34" charset="-122"/>
             </a:endParaRPr>
@@ -32214,27 +32503,20 @@
               </a:lnSpc>
             </a:pPr>
             <a:r>
-              <a:rPr lang="en-US" altLang="zh-CN" sz="2000" dirty="0" smtClean="0">
+              <a:rPr lang="en-US" altLang="zh-CN" sz="2000" dirty="0">
                 <a:latin typeface="微软雅黑" pitchFamily="34" charset="-122"/>
                 <a:ea typeface="微软雅黑" pitchFamily="34" charset="-122"/>
               </a:rPr>
-              <a:t>	</a:t>
+              <a:t>	2</a:t>
             </a:r>
             <a:r>
-              <a:rPr lang="en-US" altLang="zh-CN" sz="2000" dirty="0" smtClean="0">
-                <a:latin typeface="微软雅黑" pitchFamily="34" charset="-122"/>
-                <a:ea typeface="微软雅黑" pitchFamily="34" charset="-122"/>
-              </a:rPr>
-              <a:t>2</a:t>
-            </a:r>
-            <a:r>
-              <a:rPr lang="zh-CN" altLang="en-US" sz="2000" dirty="0" smtClean="0">
+              <a:rPr lang="zh-CN" altLang="en-US" sz="2000" dirty="0">
                 <a:latin typeface="微软雅黑" pitchFamily="34" charset="-122"/>
                 <a:ea typeface="微软雅黑" pitchFamily="34" charset="-122"/>
               </a:rPr>
               <a:t>、循环读取属性</a:t>
             </a:r>
-            <a:endParaRPr lang="en-US" altLang="zh-CN" sz="2000" dirty="0" smtClean="0">
+            <a:endParaRPr lang="en-US" altLang="zh-CN" sz="2000" dirty="0">
               <a:latin typeface="微软雅黑" pitchFamily="34" charset="-122"/>
               <a:ea typeface="微软雅黑" pitchFamily="34" charset="-122"/>
             </a:endParaRPr>
@@ -32246,35 +32528,28 @@
               </a:lnSpc>
             </a:pPr>
             <a:r>
-              <a:rPr lang="en-US" altLang="zh-CN" sz="2000" dirty="0" smtClean="0">
+              <a:rPr lang="en-US" altLang="zh-CN" sz="2000" dirty="0">
                 <a:latin typeface="微软雅黑" pitchFamily="34" charset="-122"/>
                 <a:ea typeface="微软雅黑" pitchFamily="34" charset="-122"/>
               </a:rPr>
-              <a:t>	</a:t>
+              <a:t>	3</a:t>
             </a:r>
             <a:r>
-              <a:rPr lang="en-US" altLang="zh-CN" sz="2000" dirty="0" smtClean="0">
-                <a:latin typeface="微软雅黑" pitchFamily="34" charset="-122"/>
-                <a:ea typeface="微软雅黑" pitchFamily="34" charset="-122"/>
-              </a:rPr>
-              <a:t>3</a:t>
-            </a:r>
-            <a:r>
-              <a:rPr lang="zh-CN" altLang="en-US" sz="2000" dirty="0" smtClean="0">
+              <a:rPr lang="zh-CN" altLang="en-US" sz="2000" dirty="0">
                 <a:latin typeface="微软雅黑" pitchFamily="34" charset="-122"/>
                 <a:ea typeface="微软雅黑" pitchFamily="34" charset="-122"/>
               </a:rPr>
               <a:t>、监听属性时，对于数组对象添加</a:t>
             </a:r>
             <a:r>
-              <a:rPr lang="en-US" altLang="zh-CN" sz="2000" dirty="0" smtClean="0">
+              <a:rPr lang="en-US" altLang="zh-CN" sz="2000" dirty="0">
                 <a:latin typeface="微软雅黑" pitchFamily="34" charset="-122"/>
                 <a:ea typeface="微软雅黑" pitchFamily="34" charset="-122"/>
               </a:rPr>
               <a:t>_ob_</a:t>
             </a:r>
             <a:r>
-              <a:rPr lang="zh-CN" altLang="en-US" sz="2000" dirty="0" smtClean="0">
+              <a:rPr lang="zh-CN" altLang="en-US" sz="2000" dirty="0">
                 <a:latin typeface="微软雅黑" pitchFamily="34" charset="-122"/>
                 <a:ea typeface="微软雅黑" pitchFamily="34" charset="-122"/>
               </a:rPr>
@@ -32293,13 +32568,6 @@
     <a:masterClrMapping/>
   </p:clrMapOvr>
   <p:transition spd="slow" advClick="0"/>
-  <p:timing>
-    <p:tnLst>
-      <p:par>
-        <p:cTn id="1" dur="indefinite" restart="never" nodeType="tmRoot"/>
-      </p:par>
-    </p:tnLst>
-  </p:timing>
 </p:sld>
 </file>
 
@@ -34865,7 +35133,7 @@
             <a:p>
               <a:pPr algn="ctr"/>
               <a:r>
-                <a:rPr lang="en-US" altLang="zh-CN" sz="2000" b="1" dirty="0" smtClean="0">
+                <a:rPr lang="en-US" altLang="zh-CN" sz="2000" b="1" dirty="0">
                   <a:solidFill>
                     <a:schemeClr val="bg1"/>
                   </a:solidFill>
@@ -35045,44 +35313,40 @@
           <a:lstStyle/>
           <a:p>
             <a:r>
-              <a:rPr lang="zh-CN" altLang="en-US" sz="2800" dirty="0" smtClean="0">
+              <a:rPr lang="zh-CN" altLang="en-US" sz="2800" dirty="0">
                 <a:latin typeface="微软雅黑" pitchFamily="34" charset="-122"/>
                 <a:ea typeface="微软雅黑" pitchFamily="34" charset="-122"/>
               </a:rPr>
               <a:t>再回首，回顾</a:t>
             </a:r>
             <a:r>
-              <a:rPr lang="en-US" altLang="zh-CN" sz="2800" dirty="0" smtClean="0">
+              <a:rPr lang="en-US" altLang="zh-CN" sz="2800" dirty="0">
                 <a:latin typeface="微软雅黑" pitchFamily="34" charset="-122"/>
                 <a:ea typeface="微软雅黑" pitchFamily="34" charset="-122"/>
               </a:rPr>
               <a:t>Vue</a:t>
             </a:r>
             <a:r>
-              <a:rPr lang="zh-CN" altLang="en-US" sz="2800" dirty="0" smtClean="0">
+              <a:rPr lang="zh-CN" altLang="en-US" sz="2800" dirty="0">
                 <a:latin typeface="微软雅黑" pitchFamily="34" charset="-122"/>
                 <a:ea typeface="微软雅黑" pitchFamily="34" charset="-122"/>
               </a:rPr>
               <a:t>官方</a:t>
             </a:r>
             <a:r>
-              <a:rPr lang="en-US" altLang="zh-CN" sz="2800" dirty="0" smtClean="0">
+              <a:rPr lang="en-US" altLang="zh-CN" sz="2800" dirty="0">
                 <a:latin typeface="微软雅黑" pitchFamily="34" charset="-122"/>
                 <a:ea typeface="微软雅黑" pitchFamily="34" charset="-122"/>
               </a:rPr>
               <a:t>+</a:t>
             </a:r>
             <a:r>
-              <a:rPr lang="zh-CN" altLang="en-US" sz="2800" dirty="0" smtClean="0">
+              <a:rPr lang="zh-CN" altLang="en-US" sz="2800" dirty="0">
                 <a:latin typeface="微软雅黑" pitchFamily="34" charset="-122"/>
                 <a:ea typeface="微软雅黑" pitchFamily="34" charset="-122"/>
               </a:rPr>
               <a:t>走读源码</a:t>
             </a:r>
-            <a:endParaRPr lang="zh-CN" altLang="en-US" sz="2800" dirty="0">
-              <a:latin typeface="微软雅黑" pitchFamily="34" charset="-122"/>
-              <a:ea typeface="微软雅黑" pitchFamily="34" charset="-122"/>
-            </a:endParaRPr>
           </a:p>
         </p:txBody>
       </p:sp>
@@ -35092,13 +35356,6 @@
     <a:masterClrMapping/>
   </p:clrMapOvr>
   <p:transition spd="slow" advClick="0"/>
-  <p:timing>
-    <p:tnLst>
-      <p:par>
-        <p:cTn id="1" dur="indefinite" restart="never" nodeType="tmRoot"/>
-      </p:par>
-    </p:tnLst>
-  </p:timing>
 </p:sld>
 </file>
 
@@ -36213,7 +36470,7 @@
             <a:lstStyle/>
             <a:p>
               <a:r>
-                <a:rPr lang="en-US" sz="1000">
+                <a:rPr lang="en-US" sz="1000" dirty="0">
                   <a:solidFill>
                     <a:srgbClr val="7F7F7F"/>
                   </a:solidFill>
@@ -36222,9 +36479,45 @@
                   <a:cs typeface="Cambria" pitchFamily="18" charset="0"/>
                   <a:sym typeface="Cambria" pitchFamily="18" charset="0"/>
                 </a:rPr>
-                <a:t>Welcome to wuwenhua powerpoint</a:t>
+                <a:t>Welcome to </a:t>
               </a:r>
-              <a:endParaRPr lang="zh-CN" altLang="en-US" sz="1000">
+              <a:r>
+                <a:rPr lang="en-US" sz="1000" dirty="0" err="1">
+                  <a:solidFill>
+                    <a:srgbClr val="7F7F7F"/>
+                  </a:solidFill>
+                  <a:latin typeface="Cambria" pitchFamily="18" charset="0"/>
+                  <a:ea typeface="Cambria" pitchFamily="18" charset="0"/>
+                  <a:cs typeface="Cambria" pitchFamily="18" charset="0"/>
+                  <a:sym typeface="Cambria" pitchFamily="18" charset="0"/>
+                </a:rPr>
+                <a:t>wuwenhua</a:t>
+              </a:r>
+              <a:r>
+                <a:rPr lang="en-US" sz="1000" dirty="0">
+                  <a:solidFill>
+                    <a:srgbClr val="7F7F7F"/>
+                  </a:solidFill>
+                  <a:latin typeface="Cambria" pitchFamily="18" charset="0"/>
+                  <a:ea typeface="Cambria" pitchFamily="18" charset="0"/>
+                  <a:cs typeface="Cambria" pitchFamily="18" charset="0"/>
+                  <a:sym typeface="Cambria" pitchFamily="18" charset="0"/>
+                </a:rPr>
+                <a:t> </a:t>
+              </a:r>
+              <a:r>
+                <a:rPr lang="en-US" sz="1000" dirty="0" err="1">
+                  <a:solidFill>
+                    <a:srgbClr val="7F7F7F"/>
+                  </a:solidFill>
+                  <a:latin typeface="Cambria" pitchFamily="18" charset="0"/>
+                  <a:ea typeface="Cambria" pitchFamily="18" charset="0"/>
+                  <a:cs typeface="Cambria" pitchFamily="18" charset="0"/>
+                  <a:sym typeface="Cambria" pitchFamily="18" charset="0"/>
+                </a:rPr>
+                <a:t>powerpoint</a:t>
+              </a:r>
+              <a:endParaRPr lang="zh-CN" altLang="en-US" sz="1000" dirty="0">
                 <a:solidFill>
                   <a:srgbClr val="7F7F7F"/>
                 </a:solidFill>
@@ -37652,7 +37945,7 @@
               </a:lnSpc>
             </a:pPr>
             <a:r>
-              <a:rPr lang="en-US" altLang="zh-CN" sz="2000" dirty="0" smtClean="0">
+              <a:rPr lang="en-US" altLang="zh-CN" sz="2000" dirty="0">
                 <a:solidFill>
                   <a:srgbClr val="000000"/>
                 </a:solidFill>
@@ -37663,7 +37956,7 @@
               <a:t>	</a:t>
             </a:r>
             <a:r>
-              <a:rPr lang="en-US" altLang="zh-CN" sz="2000" dirty="0" smtClean="0">
+              <a:rPr lang="en-US" altLang="zh-CN" sz="2000" dirty="0">
                 <a:solidFill>
                   <a:srgbClr val="000000"/>
                 </a:solidFill>
@@ -37674,7 +37967,7 @@
               <a:t>Vue</a:t>
             </a:r>
             <a:r>
-              <a:rPr lang="zh-CN" altLang="en-US" sz="2000" dirty="0" smtClean="0">
+              <a:rPr lang="zh-CN" altLang="en-US" sz="2000" dirty="0">
                 <a:solidFill>
                   <a:srgbClr val="000000"/>
                 </a:solidFill>
@@ -37685,7 +37978,7 @@
               <a:t>是基于</a:t>
             </a:r>
             <a:r>
-              <a:rPr lang="en-US" altLang="zh-CN" sz="2000" dirty="0" smtClean="0">
+              <a:rPr lang="en-US" altLang="zh-CN" sz="2000" dirty="0">
                 <a:solidFill>
                   <a:srgbClr val="000000"/>
                 </a:solidFill>
@@ -37696,7 +37989,7 @@
               <a:t>MVVM</a:t>
             </a:r>
             <a:r>
-              <a:rPr lang="zh-CN" altLang="en-US" sz="2000" dirty="0" smtClean="0">
+              <a:rPr lang="zh-CN" altLang="en-US" sz="2000" dirty="0">
                 <a:solidFill>
                   <a:srgbClr val="000000"/>
                 </a:solidFill>
@@ -37707,7 +38000,7 @@
               <a:t>（非严格）模式构建用户界面的渐进式框架，</a:t>
             </a:r>
             <a:r>
-              <a:rPr lang="en-US" altLang="zh-CN" sz="2000" dirty="0" smtClean="0">
+              <a:rPr lang="en-US" altLang="zh-CN" sz="2000" dirty="0">
                 <a:solidFill>
                   <a:srgbClr val="000000"/>
                 </a:solidFill>
@@ -37718,7 +38011,7 @@
               <a:t>Vue</a:t>
             </a:r>
             <a:r>
-              <a:rPr lang="zh-CN" altLang="en-US" sz="2000" dirty="0" smtClean="0">
+              <a:rPr lang="zh-CN" altLang="en-US" sz="2000" dirty="0">
                 <a:solidFill>
                   <a:srgbClr val="000000"/>
                 </a:solidFill>
@@ -37729,7 +38022,7 @@
               <a:t>的核心库关心视图层，用户只需关注自己数据的变化，剩下的工作就交给</a:t>
             </a:r>
             <a:r>
-              <a:rPr lang="en-US" altLang="zh-CN" sz="2000" dirty="0" smtClean="0">
+              <a:rPr lang="en-US" altLang="zh-CN" sz="2000" dirty="0">
                 <a:solidFill>
                   <a:srgbClr val="000000"/>
                 </a:solidFill>
@@ -37740,7 +38033,7 @@
               <a:t>Vue</a:t>
             </a:r>
             <a:r>
-              <a:rPr lang="zh-CN" altLang="en-US" sz="2000" dirty="0" smtClean="0">
+              <a:rPr lang="zh-CN" altLang="en-US" sz="2000" dirty="0">
                 <a:solidFill>
                   <a:srgbClr val="000000"/>
                 </a:solidFill>
@@ -37750,14 +38043,6 @@
               </a:rPr>
               <a:t>去完成了。其中很重要的一部分工作就是数据驱动！</a:t>
             </a:r>
-            <a:endParaRPr lang="zh-CN" altLang="en-US" sz="2000" dirty="0">
-              <a:solidFill>
-                <a:srgbClr val="000000"/>
-              </a:solidFill>
-              <a:latin typeface="微软雅黑" pitchFamily="34" charset="-122"/>
-              <a:ea typeface="微软雅黑" pitchFamily="34" charset="-122"/>
-              <a:sym typeface="黑体" pitchFamily="49" charset="-122"/>
-            </a:endParaRPr>
           </a:p>
         </p:txBody>
       </p:sp>
@@ -37809,7 +38094,7 @@
             <a:p>
               <a:pPr algn="ctr"/>
               <a:r>
-                <a:rPr lang="zh-CN" altLang="en-US" sz="2000" b="1" dirty="0" smtClean="0">
+                <a:rPr lang="zh-CN" altLang="en-US" sz="2000" b="1" dirty="0">
                   <a:solidFill>
                     <a:schemeClr val="bg1"/>
                   </a:solidFill>
@@ -37817,27 +38102,8 @@
                   <a:ea typeface="微软雅黑" pitchFamily="34" charset="-122"/>
                   <a:sym typeface="微软雅黑" pitchFamily="34" charset="-122"/>
                 </a:rPr>
-                <a:t>简单</a:t>
+                <a:t>简单介绍</a:t>
               </a:r>
-              <a:r>
-                <a:rPr lang="zh-CN" altLang="en-US" sz="2000" b="1" dirty="0" smtClean="0">
-                  <a:solidFill>
-                    <a:schemeClr val="bg1"/>
-                  </a:solidFill>
-                  <a:latin typeface="微软雅黑" pitchFamily="34" charset="-122"/>
-                  <a:ea typeface="微软雅黑" pitchFamily="34" charset="-122"/>
-                  <a:sym typeface="微软雅黑" pitchFamily="34" charset="-122"/>
-                </a:rPr>
-                <a:t>介绍</a:t>
-              </a:r>
-              <a:endParaRPr lang="zh-CN" altLang="en-US" sz="2000" b="1" dirty="0">
-                <a:solidFill>
-                  <a:schemeClr val="bg1"/>
-                </a:solidFill>
-                <a:latin typeface="微软雅黑" pitchFamily="34" charset="-122"/>
-                <a:ea typeface="微软雅黑" pitchFamily="34" charset="-122"/>
-                <a:sym typeface="微软雅黑" pitchFamily="34" charset="-122"/>
-              </a:endParaRPr>
             </a:p>
           </p:txBody>
         </p:sp>
@@ -43780,7 +44046,7 @@
               </a:lnSpc>
             </a:pPr>
             <a:r>
-              <a:rPr lang="en-US" altLang="zh-CN" sz="2000" dirty="0" smtClean="0">
+              <a:rPr lang="en-US" altLang="zh-CN" sz="2000" dirty="0">
                 <a:solidFill>
                   <a:srgbClr val="000000"/>
                 </a:solidFill>
@@ -43791,130 +44057,130 @@
               <a:t>	</a:t>
             </a:r>
             <a:r>
-              <a:rPr lang="en-US" altLang="zh-CN" sz="2000" dirty="0" smtClean="0"/>
+              <a:rPr lang="en-US" altLang="zh-CN" sz="2000" dirty="0"/>
               <a:t> </a:t>
             </a:r>
             <a:r>
-              <a:rPr lang="en-US" altLang="zh-CN" sz="2000" dirty="0" smtClean="0">
+              <a:rPr lang="en-US" altLang="zh-CN" sz="2000" dirty="0">
                 <a:latin typeface="微软雅黑" pitchFamily="34" charset="-122"/>
                 <a:ea typeface="微软雅黑" pitchFamily="34" charset="-122"/>
               </a:rPr>
               <a:t>MVVM</a:t>
             </a:r>
             <a:r>
-              <a:rPr lang="zh-CN" altLang="en-US" sz="2000" dirty="0" smtClean="0">
+              <a:rPr lang="zh-CN" altLang="en-US" sz="2000" dirty="0">
                 <a:latin typeface="微软雅黑" pitchFamily="34" charset="-122"/>
                 <a:ea typeface="微软雅黑" pitchFamily="34" charset="-122"/>
               </a:rPr>
               <a:t>分为三个部分：分别是</a:t>
             </a:r>
             <a:r>
-              <a:rPr lang="en-US" altLang="zh-CN" sz="2000" dirty="0" smtClean="0">
+              <a:rPr lang="en-US" altLang="zh-CN" sz="2000" dirty="0">
                 <a:latin typeface="微软雅黑" pitchFamily="34" charset="-122"/>
                 <a:ea typeface="微软雅黑" pitchFamily="34" charset="-122"/>
               </a:rPr>
               <a:t>M</a:t>
             </a:r>
             <a:r>
-              <a:rPr lang="zh-CN" altLang="en-US" sz="2000" dirty="0" smtClean="0">
+              <a:rPr lang="zh-CN" altLang="en-US" sz="2000" dirty="0">
                 <a:latin typeface="微软雅黑" pitchFamily="34" charset="-122"/>
                 <a:ea typeface="微软雅黑" pitchFamily="34" charset="-122"/>
               </a:rPr>
               <a:t>（</a:t>
             </a:r>
             <a:r>
-              <a:rPr lang="en-US" altLang="zh-CN" sz="2000" dirty="0" smtClean="0">
+              <a:rPr lang="en-US" altLang="zh-CN" sz="2000" dirty="0">
                 <a:latin typeface="微软雅黑" pitchFamily="34" charset="-122"/>
                 <a:ea typeface="微软雅黑" pitchFamily="34" charset="-122"/>
               </a:rPr>
               <a:t>Model</a:t>
             </a:r>
             <a:r>
-              <a:rPr lang="zh-CN" altLang="en-US" sz="2000" dirty="0" smtClean="0">
+              <a:rPr lang="zh-CN" altLang="en-US" sz="2000" dirty="0">
                 <a:latin typeface="微软雅黑" pitchFamily="34" charset="-122"/>
                 <a:ea typeface="微软雅黑" pitchFamily="34" charset="-122"/>
               </a:rPr>
               <a:t>，模型层 ），</a:t>
             </a:r>
             <a:r>
-              <a:rPr lang="en-US" altLang="zh-CN" sz="2000" dirty="0" smtClean="0">
+              <a:rPr lang="en-US" altLang="zh-CN" sz="2000" dirty="0">
                 <a:latin typeface="微软雅黑" pitchFamily="34" charset="-122"/>
                 <a:ea typeface="微软雅黑" pitchFamily="34" charset="-122"/>
               </a:rPr>
               <a:t>V</a:t>
             </a:r>
             <a:r>
-              <a:rPr lang="zh-CN" altLang="en-US" sz="2000" dirty="0" smtClean="0">
+              <a:rPr lang="zh-CN" altLang="en-US" sz="2000" dirty="0">
                 <a:latin typeface="微软雅黑" pitchFamily="34" charset="-122"/>
                 <a:ea typeface="微软雅黑" pitchFamily="34" charset="-122"/>
               </a:rPr>
               <a:t>（</a:t>
             </a:r>
             <a:r>
-              <a:rPr lang="en-US" altLang="zh-CN" sz="2000" dirty="0" smtClean="0">
+              <a:rPr lang="en-US" altLang="zh-CN" sz="2000" dirty="0">
                 <a:latin typeface="微软雅黑" pitchFamily="34" charset="-122"/>
                 <a:ea typeface="微软雅黑" pitchFamily="34" charset="-122"/>
               </a:rPr>
               <a:t>View</a:t>
             </a:r>
             <a:r>
-              <a:rPr lang="zh-CN" altLang="en-US" sz="2000" dirty="0" smtClean="0">
+              <a:rPr lang="zh-CN" altLang="en-US" sz="2000" dirty="0">
                 <a:latin typeface="微软雅黑" pitchFamily="34" charset="-122"/>
                 <a:ea typeface="微软雅黑" pitchFamily="34" charset="-122"/>
               </a:rPr>
               <a:t>，视图层），</a:t>
             </a:r>
             <a:r>
-              <a:rPr lang="en-US" altLang="zh-CN" sz="2000" dirty="0" smtClean="0">
+              <a:rPr lang="en-US" altLang="zh-CN" sz="2000" dirty="0">
                 <a:latin typeface="微软雅黑" pitchFamily="34" charset="-122"/>
                 <a:ea typeface="微软雅黑" pitchFamily="34" charset="-122"/>
               </a:rPr>
               <a:t>VM</a:t>
             </a:r>
             <a:r>
-              <a:rPr lang="zh-CN" altLang="en-US" sz="2000" dirty="0" smtClean="0">
+              <a:rPr lang="zh-CN" altLang="en-US" sz="2000" dirty="0">
                 <a:latin typeface="微软雅黑" pitchFamily="34" charset="-122"/>
                 <a:ea typeface="微软雅黑" pitchFamily="34" charset="-122"/>
               </a:rPr>
               <a:t>（</a:t>
             </a:r>
             <a:r>
-              <a:rPr lang="en-US" altLang="zh-CN" sz="2000" dirty="0" smtClean="0">
+              <a:rPr lang="en-US" altLang="zh-CN" sz="2000" dirty="0">
                 <a:latin typeface="微软雅黑" pitchFamily="34" charset="-122"/>
                 <a:ea typeface="微软雅黑" pitchFamily="34" charset="-122"/>
               </a:rPr>
               <a:t>ViewModel</a:t>
             </a:r>
             <a:r>
-              <a:rPr lang="zh-CN" altLang="en-US" sz="2000" dirty="0" smtClean="0">
+              <a:rPr lang="zh-CN" altLang="en-US" sz="2000" dirty="0">
                 <a:latin typeface="微软雅黑" pitchFamily="34" charset="-122"/>
                 <a:ea typeface="微软雅黑" pitchFamily="34" charset="-122"/>
               </a:rPr>
               <a:t>，</a:t>
             </a:r>
             <a:r>
-              <a:rPr lang="en-US" altLang="zh-CN" sz="2000" dirty="0" smtClean="0">
+              <a:rPr lang="en-US" altLang="zh-CN" sz="2000" dirty="0">
                 <a:latin typeface="微软雅黑" pitchFamily="34" charset="-122"/>
                 <a:ea typeface="微软雅黑" pitchFamily="34" charset="-122"/>
               </a:rPr>
               <a:t>V</a:t>
             </a:r>
             <a:r>
-              <a:rPr lang="zh-CN" altLang="en-US" sz="2000" dirty="0" smtClean="0">
+              <a:rPr lang="zh-CN" altLang="en-US" sz="2000" dirty="0">
                 <a:latin typeface="微软雅黑" pitchFamily="34" charset="-122"/>
                 <a:ea typeface="微软雅黑" pitchFamily="34" charset="-122"/>
               </a:rPr>
               <a:t>与</a:t>
             </a:r>
             <a:r>
-              <a:rPr lang="en-US" altLang="zh-CN" sz="2000" dirty="0" smtClean="0">
+              <a:rPr lang="en-US" altLang="zh-CN" sz="2000" dirty="0">
                 <a:latin typeface="微软雅黑" pitchFamily="34" charset="-122"/>
                 <a:ea typeface="微软雅黑" pitchFamily="34" charset="-122"/>
               </a:rPr>
               <a:t>M</a:t>
             </a:r>
             <a:r>
-              <a:rPr lang="zh-CN" altLang="en-US" sz="2000" dirty="0" smtClean="0">
+              <a:rPr lang="zh-CN" altLang="en-US" sz="2000" dirty="0">
                 <a:latin typeface="微软雅黑" pitchFamily="34" charset="-122"/>
                 <a:ea typeface="微软雅黑" pitchFamily="34" charset="-122"/>
               </a:rPr>
@@ -43979,7 +44245,7 @@
             <a:p>
               <a:pPr algn="ctr"/>
               <a:r>
-                <a:rPr lang="en-US" altLang="zh-CN" sz="2000" b="1" dirty="0" smtClean="0">
+                <a:rPr lang="en-US" altLang="zh-CN" sz="2000" b="1" dirty="0">
                   <a:solidFill>
                     <a:schemeClr val="bg1"/>
                   </a:solidFill>
@@ -46887,7 +47153,7 @@
             <a:p>
               <a:pPr algn="ctr"/>
               <a:r>
-                <a:rPr lang="zh-CN" altLang="en-US" sz="2000" b="1" dirty="0" smtClean="0">
+                <a:rPr lang="zh-CN" altLang="en-US" sz="2000" b="1" dirty="0">
                   <a:solidFill>
                     <a:schemeClr val="bg1"/>
                   </a:solidFill>
@@ -46895,27 +47161,8 @@
                   <a:ea typeface="微软雅黑" pitchFamily="34" charset="-122"/>
                   <a:sym typeface="微软雅黑" pitchFamily="34" charset="-122"/>
                 </a:rPr>
-                <a:t>原</a:t>
+                <a:t>原理</a:t>
               </a:r>
-              <a:r>
-                <a:rPr lang="zh-CN" altLang="en-US" sz="2000" b="1" dirty="0" smtClean="0">
-                  <a:solidFill>
-                    <a:schemeClr val="bg1"/>
-                  </a:solidFill>
-                  <a:latin typeface="微软雅黑" pitchFamily="34" charset="-122"/>
-                  <a:ea typeface="微软雅黑" pitchFamily="34" charset="-122"/>
-                  <a:sym typeface="微软雅黑" pitchFamily="34" charset="-122"/>
-                </a:rPr>
-                <a:t>理</a:t>
-              </a:r>
-              <a:endParaRPr lang="zh-CN" altLang="en-US" sz="2000" b="1" dirty="0">
-                <a:solidFill>
-                  <a:schemeClr val="bg1"/>
-                </a:solidFill>
-                <a:latin typeface="微软雅黑" pitchFamily="34" charset="-122"/>
-                <a:ea typeface="微软雅黑" pitchFamily="34" charset="-122"/>
-                <a:sym typeface="微软雅黑" pitchFamily="34" charset="-122"/>
-              </a:endParaRPr>
             </a:p>
           </p:txBody>
         </p:sp>
@@ -47066,7 +47313,7 @@
               </a:lnSpc>
             </a:pPr>
             <a:r>
-              <a:rPr lang="en-US" altLang="zh-CN" sz="2000" dirty="0" smtClean="0">
+              <a:rPr lang="en-US" altLang="zh-CN" sz="2000" dirty="0">
                 <a:solidFill>
                   <a:srgbClr val="000000"/>
                 </a:solidFill>
@@ -47077,7 +47324,7 @@
               <a:t>	</a:t>
             </a:r>
             <a:r>
-              <a:rPr lang="zh-CN" altLang="en-US" sz="2000" dirty="0" smtClean="0">
+              <a:rPr lang="zh-CN" altLang="en-US" sz="2000" dirty="0">
                 <a:solidFill>
                   <a:srgbClr val="000000"/>
                 </a:solidFill>
@@ -47088,7 +47335,7 @@
               <a:t>把一个普通的 </a:t>
             </a:r>
             <a:r>
-              <a:rPr lang="en-US" altLang="zh-CN" sz="2000" dirty="0" smtClean="0">
+              <a:rPr lang="en-US" altLang="zh-CN" sz="2000" dirty="0">
                 <a:solidFill>
                   <a:srgbClr val="000000"/>
                 </a:solidFill>
@@ -47099,7 +47346,7 @@
               <a:t>JavaScript </a:t>
             </a:r>
             <a:r>
-              <a:rPr lang="zh-CN" altLang="en-US" sz="2000" dirty="0" smtClean="0">
+              <a:rPr lang="zh-CN" altLang="en-US" sz="2000" dirty="0">
                 <a:solidFill>
                   <a:srgbClr val="000000"/>
                 </a:solidFill>
@@ -47110,7 +47357,7 @@
               <a:t>对象传给 </a:t>
             </a:r>
             <a:r>
-              <a:rPr lang="en-US" altLang="zh-CN" sz="2000" dirty="0" smtClean="0">
+              <a:rPr lang="en-US" altLang="zh-CN" sz="2000" dirty="0">
                 <a:solidFill>
                   <a:srgbClr val="000000"/>
                 </a:solidFill>
@@ -47121,7 +47368,7 @@
               <a:t>Vue </a:t>
             </a:r>
             <a:r>
-              <a:rPr lang="zh-CN" altLang="en-US" sz="2000" dirty="0" smtClean="0">
+              <a:rPr lang="zh-CN" altLang="en-US" sz="2000" dirty="0">
                 <a:solidFill>
                   <a:srgbClr val="000000"/>
                 </a:solidFill>
@@ -47132,7 +47379,7 @@
               <a:t>实例的 </a:t>
             </a:r>
             <a:r>
-              <a:rPr lang="en-US" altLang="zh-CN" sz="2000" dirty="0" smtClean="0">
+              <a:rPr lang="en-US" altLang="zh-CN" sz="2000" dirty="0">
                 <a:solidFill>
                   <a:srgbClr val="000000"/>
                 </a:solidFill>
@@ -47143,7 +47390,7 @@
               <a:t>data </a:t>
             </a:r>
             <a:r>
-              <a:rPr lang="zh-CN" altLang="en-US" sz="2000" dirty="0" smtClean="0">
+              <a:rPr lang="zh-CN" altLang="en-US" sz="2000" dirty="0">
                 <a:solidFill>
                   <a:srgbClr val="000000"/>
                 </a:solidFill>
@@ -47154,7 +47401,7 @@
               <a:t>选项，</a:t>
             </a:r>
             <a:r>
-              <a:rPr lang="en-US" altLang="zh-CN" sz="2000" dirty="0" smtClean="0">
+              <a:rPr lang="en-US" altLang="zh-CN" sz="2000" dirty="0">
                 <a:solidFill>
                   <a:srgbClr val="000000"/>
                 </a:solidFill>
@@ -47165,7 +47412,7 @@
               <a:t>Vue </a:t>
             </a:r>
             <a:r>
-              <a:rPr lang="zh-CN" altLang="en-US" sz="2000" dirty="0" smtClean="0">
+              <a:rPr lang="zh-CN" altLang="en-US" sz="2000" dirty="0">
                 <a:solidFill>
                   <a:srgbClr val="000000"/>
                 </a:solidFill>
@@ -47176,7 +47423,7 @@
               <a:t>将遍历此对象所有的属性，并使用 </a:t>
             </a:r>
             <a:r>
-              <a:rPr lang="en-US" altLang="zh-CN" sz="2000" dirty="0" smtClean="0">
+              <a:rPr lang="en-US" altLang="zh-CN" sz="2000" dirty="0">
                 <a:solidFill>
                   <a:srgbClr val="000000"/>
                 </a:solidFill>
@@ -47187,7 +47434,7 @@
               <a:t>Object.defineProperty </a:t>
             </a:r>
             <a:r>
-              <a:rPr lang="zh-CN" altLang="en-US" sz="2000" dirty="0" smtClean="0">
+              <a:rPr lang="zh-CN" altLang="en-US" sz="2000" dirty="0">
                 <a:solidFill>
                   <a:srgbClr val="000000"/>
                 </a:solidFill>
@@ -47198,7 +47445,7 @@
               <a:t>把这些属性全部转为 </a:t>
             </a:r>
             <a:r>
-              <a:rPr lang="en-US" altLang="zh-CN" sz="2000" dirty="0" smtClean="0">
+              <a:rPr lang="en-US" altLang="zh-CN" sz="2000" dirty="0">
                 <a:solidFill>
                   <a:srgbClr val="000000"/>
                 </a:solidFill>
@@ -47209,7 +47456,7 @@
               <a:t>getter/setter</a:t>
             </a:r>
             <a:r>
-              <a:rPr lang="zh-CN" altLang="en-US" sz="2000" dirty="0" smtClean="0">
+              <a:rPr lang="zh-CN" altLang="en-US" sz="2000" dirty="0">
                 <a:solidFill>
                   <a:srgbClr val="000000"/>
                 </a:solidFill>
@@ -47220,35 +47467,35 @@
               <a:t>。</a:t>
             </a:r>
             <a:r>
-              <a:rPr lang="zh-CN" altLang="en-US" sz="2000" dirty="0" smtClean="0">
+              <a:rPr lang="zh-CN" altLang="en-US" sz="2000" dirty="0">
                 <a:latin typeface="微软雅黑" pitchFamily="34" charset="-122"/>
                 <a:ea typeface="微软雅黑" pitchFamily="34" charset="-122"/>
               </a:rPr>
               <a:t>用户看不到 </a:t>
             </a:r>
             <a:r>
-              <a:rPr lang="en-US" altLang="zh-CN" sz="2000" dirty="0" smtClean="0">
+              <a:rPr lang="en-US" altLang="zh-CN" sz="2000" dirty="0">
                 <a:latin typeface="微软雅黑" pitchFamily="34" charset="-122"/>
                 <a:ea typeface="微软雅黑" pitchFamily="34" charset="-122"/>
               </a:rPr>
               <a:t>getter/setter</a:t>
             </a:r>
             <a:r>
-              <a:rPr lang="zh-CN" altLang="en-US" sz="2000" dirty="0" smtClean="0">
+              <a:rPr lang="zh-CN" altLang="en-US" sz="2000" dirty="0">
                 <a:latin typeface="微软雅黑" pitchFamily="34" charset="-122"/>
                 <a:ea typeface="微软雅黑" pitchFamily="34" charset="-122"/>
               </a:rPr>
               <a:t>，但是在内部它们让 </a:t>
             </a:r>
             <a:r>
-              <a:rPr lang="en-US" altLang="zh-CN" sz="2000" dirty="0" smtClean="0">
+              <a:rPr lang="en-US" altLang="zh-CN" sz="2000" dirty="0">
                 <a:latin typeface="微软雅黑" pitchFamily="34" charset="-122"/>
                 <a:ea typeface="微软雅黑" pitchFamily="34" charset="-122"/>
               </a:rPr>
               <a:t>Vue </a:t>
             </a:r>
             <a:r>
-              <a:rPr lang="zh-CN" altLang="en-US" sz="2000" dirty="0" smtClean="0">
+              <a:rPr lang="zh-CN" altLang="en-US" sz="2000" dirty="0">
                 <a:latin typeface="微软雅黑" pitchFamily="34" charset="-122"/>
                 <a:ea typeface="微软雅黑" pitchFamily="34" charset="-122"/>
               </a:rPr>
@@ -50041,7 +50288,7 @@
             <a:p>
               <a:pPr algn="ctr"/>
               <a:r>
-                <a:rPr lang="zh-CN" altLang="en-US" sz="2000" b="1" dirty="0" smtClean="0">
+                <a:rPr lang="zh-CN" altLang="en-US" sz="2000" b="1" dirty="0">
                   <a:solidFill>
                     <a:schemeClr val="bg1"/>
                   </a:solidFill>
@@ -50051,14 +50298,6 @@
                 </a:rPr>
                 <a:t>首发</a:t>
               </a:r>
-              <a:endParaRPr lang="zh-CN" altLang="en-US" sz="2000" b="1" dirty="0">
-                <a:solidFill>
-                  <a:schemeClr val="bg1"/>
-                </a:solidFill>
-                <a:latin typeface="微软雅黑" pitchFamily="34" charset="-122"/>
-                <a:ea typeface="微软雅黑" pitchFamily="34" charset="-122"/>
-                <a:sym typeface="微软雅黑" pitchFamily="34" charset="-122"/>
-              </a:endParaRPr>
             </a:p>
           </p:txBody>
         </p:sp>
@@ -50222,7 +50461,7 @@
           <a:lstStyle/>
           <a:p>
             <a:r>
-              <a:rPr lang="en-US" altLang="zh-CN" sz="2800" b="1" dirty="0" smtClean="0"/>
+              <a:rPr lang="en-US" altLang="zh-CN" sz="2800" b="1" dirty="0"/>
               <a:t>Observer</a:t>
             </a:r>
             <a:endParaRPr lang="zh-CN" altLang="en-US" sz="2800" b="1" dirty="0"/>
@@ -50235,13 +50474,6 @@
     <a:masterClrMapping/>
   </p:clrMapOvr>
   <p:transition spd="slow" advClick="0"/>
-  <p:timing>
-    <p:tnLst>
-      <p:par>
-        <p:cTn id="1" dur="indefinite" restart="never" nodeType="tmRoot"/>
-      </p:par>
-    </p:tnLst>
-  </p:timing>
 </p:sld>
 </file>
 
@@ -52807,7 +53039,7 @@
             <a:p>
               <a:pPr algn="ctr"/>
               <a:r>
-                <a:rPr lang="en-US" altLang="zh-CN" sz="2000" b="1" dirty="0" smtClean="0">
+                <a:rPr lang="en-US" altLang="zh-CN" sz="2000" b="1" dirty="0">
                   <a:solidFill>
                     <a:schemeClr val="bg1"/>
                   </a:solidFill>
@@ -52962,28 +53194,28 @@
           <a:lstStyle/>
           <a:p>
             <a:r>
-              <a:rPr lang="zh-CN" altLang="en-US" sz="2800" dirty="0" smtClean="0">
+              <a:rPr lang="zh-CN" altLang="en-US" sz="2800" dirty="0">
                 <a:latin typeface="微软雅黑" pitchFamily="34" charset="-122"/>
                 <a:ea typeface="微软雅黑" pitchFamily="34" charset="-122"/>
               </a:rPr>
               <a:t>实现</a:t>
             </a:r>
             <a:r>
-              <a:rPr lang="en-US" altLang="zh-CN" sz="2800" dirty="0" smtClean="0">
+              <a:rPr lang="en-US" altLang="zh-CN" sz="2800" dirty="0">
                 <a:latin typeface="微软雅黑" pitchFamily="34" charset="-122"/>
                 <a:ea typeface="微软雅黑" pitchFamily="34" charset="-122"/>
               </a:rPr>
               <a:t>Observer</a:t>
             </a:r>
             <a:r>
-              <a:rPr lang="zh-CN" altLang="en-US" sz="2800" dirty="0" smtClean="0">
+              <a:rPr lang="zh-CN" altLang="en-US" sz="2800" dirty="0">
                 <a:latin typeface="微软雅黑" pitchFamily="34" charset="-122"/>
                 <a:ea typeface="微软雅黑" pitchFamily="34" charset="-122"/>
               </a:rPr>
               <a:t>（监听器）</a:t>
             </a:r>
             <a:r>
-              <a:rPr lang="en-US" altLang="zh-CN" sz="2800" dirty="0" smtClean="0">
+              <a:rPr lang="en-US" altLang="zh-CN" sz="2800" dirty="0">
                 <a:latin typeface="微软雅黑" pitchFamily="34" charset="-122"/>
                 <a:ea typeface="微软雅黑" pitchFamily="34" charset="-122"/>
               </a:rPr>
@@ -53019,21 +53251,21 @@
           <a:lstStyle/>
           <a:p>
             <a:r>
-              <a:rPr lang="en-US" altLang="zh-CN" sz="2200" dirty="0" smtClean="0">
+              <a:rPr lang="en-US" altLang="zh-CN" sz="2200" dirty="0">
                 <a:latin typeface="微软雅黑" pitchFamily="34" charset="-122"/>
                 <a:ea typeface="微软雅黑" pitchFamily="34" charset="-122"/>
               </a:rPr>
               <a:t>1</a:t>
             </a:r>
             <a:r>
-              <a:rPr lang="zh-CN" altLang="en-US" sz="2200" dirty="0" smtClean="0">
+              <a:rPr lang="zh-CN" altLang="en-US" sz="2200" dirty="0">
                 <a:latin typeface="微软雅黑" pitchFamily="34" charset="-122"/>
                 <a:ea typeface="微软雅黑" pitchFamily="34" charset="-122"/>
               </a:rPr>
               <a:t>、</a:t>
             </a:r>
             <a:r>
-              <a:rPr lang="en-US" altLang="zh-CN" sz="2200" dirty="0" smtClean="0">
+              <a:rPr lang="en-US" altLang="zh-CN" sz="2200" dirty="0">
                 <a:latin typeface="微软雅黑" pitchFamily="34" charset="-122"/>
                 <a:ea typeface="微软雅黑" pitchFamily="34" charset="-122"/>
               </a:rPr>
@@ -53052,13 +53284,6 @@
     <a:masterClrMapping/>
   </p:clrMapOvr>
   <p:transition spd="slow" advClick="0"/>
-  <p:timing>
-    <p:tnLst>
-      <p:par>
-        <p:cTn id="1" dur="indefinite" restart="never" nodeType="tmRoot"/>
-      </p:par>
-    </p:tnLst>
-  </p:timing>
 </p:sld>
 </file>
 
@@ -55624,7 +55849,7 @@
             <a:p>
               <a:pPr algn="ctr"/>
               <a:r>
-                <a:rPr lang="en-US" altLang="zh-CN" sz="2000" b="1" dirty="0" smtClean="0">
+                <a:rPr lang="en-US" altLang="zh-CN" sz="2000" b="1" dirty="0">
                   <a:solidFill>
                     <a:schemeClr val="bg1"/>
                   </a:solidFill>
@@ -55783,65 +56008,19 @@
               </a:lnSpc>
             </a:pPr>
             <a:r>
-              <a:rPr lang="en-US" altLang="zh-CN" sz="2200" dirty="0" smtClean="0">
+              <a:rPr lang="en-US" altLang="zh-CN" sz="2200" dirty="0">
                 <a:latin typeface="微软雅黑" pitchFamily="34" charset="-122"/>
                 <a:ea typeface="微软雅黑" pitchFamily="34" charset="-122"/>
               </a:rPr>
               <a:t>	</a:t>
             </a:r>
             <a:r>
-              <a:rPr lang="zh-CN" altLang="en-US" sz="2200" dirty="0" smtClean="0">
+              <a:rPr lang="zh-CN" altLang="en-US" sz="2200" dirty="0">
                 <a:latin typeface="微软雅黑" pitchFamily="34" charset="-122"/>
                 <a:ea typeface="微软雅黑" pitchFamily="34" charset="-122"/>
               </a:rPr>
-              <a:t>还</a:t>
+              <a:t>还缺什么呢？怎样去更好的管理我们的初始数据，而不是一上来就强制把所有初始数据更新到视图？</a:t>
             </a:r>
-            <a:r>
-              <a:rPr lang="zh-CN" altLang="en-US" sz="2200" dirty="0" smtClean="0">
-                <a:latin typeface="微软雅黑" pitchFamily="34" charset="-122"/>
-                <a:ea typeface="微软雅黑" pitchFamily="34" charset="-122"/>
-              </a:rPr>
-              <a:t>缺什么呢？怎</a:t>
-            </a:r>
-            <a:r>
-              <a:rPr lang="zh-CN" altLang="en-US" sz="2200" dirty="0" smtClean="0">
-                <a:latin typeface="微软雅黑" pitchFamily="34" charset="-122"/>
-                <a:ea typeface="微软雅黑" pitchFamily="34" charset="-122"/>
-              </a:rPr>
-              <a:t>样</a:t>
-            </a:r>
-            <a:r>
-              <a:rPr lang="zh-CN" altLang="en-US" sz="2200" dirty="0" smtClean="0">
-                <a:latin typeface="微软雅黑" pitchFamily="34" charset="-122"/>
-                <a:ea typeface="微软雅黑" pitchFamily="34" charset="-122"/>
-              </a:rPr>
-              <a:t>去</a:t>
-            </a:r>
-            <a:r>
-              <a:rPr lang="zh-CN" altLang="en-US" sz="2200" dirty="0" smtClean="0">
-                <a:latin typeface="微软雅黑" pitchFamily="34" charset="-122"/>
-                <a:ea typeface="微软雅黑" pitchFamily="34" charset="-122"/>
-              </a:rPr>
-              <a:t>更</a:t>
-            </a:r>
-            <a:r>
-              <a:rPr lang="zh-CN" altLang="en-US" sz="2200" dirty="0" smtClean="0">
-                <a:latin typeface="微软雅黑" pitchFamily="34" charset="-122"/>
-                <a:ea typeface="微软雅黑" pitchFamily="34" charset="-122"/>
-              </a:rPr>
-              <a:t>好的管理我们的初始数据，而不是一上来就强制把所有初始数据更新到视</a:t>
-            </a:r>
-            <a:r>
-              <a:rPr lang="zh-CN" altLang="en-US" sz="2200" dirty="0" smtClean="0">
-                <a:latin typeface="微软雅黑" pitchFamily="34" charset="-122"/>
-                <a:ea typeface="微软雅黑" pitchFamily="34" charset="-122"/>
-              </a:rPr>
-              <a:t>图？</a:t>
-            </a:r>
-            <a:endParaRPr lang="zh-CN" altLang="en-US" sz="2200" dirty="0">
-              <a:latin typeface="微软雅黑" pitchFamily="34" charset="-122"/>
-              <a:ea typeface="微软雅黑" pitchFamily="34" charset="-122"/>
-            </a:endParaRPr>
           </a:p>
         </p:txBody>
       </p:sp>
@@ -55851,13 +56030,6 @@
     <a:masterClrMapping/>
   </p:clrMapOvr>
   <p:transition spd="slow" advClick="0"/>
-  <p:timing>
-    <p:tnLst>
-      <p:par>
-        <p:cTn id="1" dur="indefinite" restart="never" nodeType="tmRoot"/>
-      </p:par>
-    </p:tnLst>
-  </p:timing>
 </p:sld>
 </file>
 
@@ -58423,7 +58595,7 @@
             <a:p>
               <a:pPr algn="ctr"/>
               <a:r>
-                <a:rPr lang="en-US" altLang="zh-CN" sz="2000" b="1" dirty="0" smtClean="0">
+                <a:rPr lang="en-US" altLang="zh-CN" sz="2000" b="1" dirty="0">
                   <a:solidFill>
                     <a:schemeClr val="bg1"/>
                   </a:solidFill>
@@ -58582,28 +58754,28 @@
               </a:lnSpc>
             </a:pPr>
             <a:r>
-              <a:rPr lang="en-US" altLang="zh-CN" sz="2200" dirty="0" smtClean="0">
+              <a:rPr lang="en-US" altLang="zh-CN" sz="2200" dirty="0">
                 <a:latin typeface="微软雅黑" pitchFamily="34" charset="-122"/>
                 <a:ea typeface="微软雅黑" pitchFamily="34" charset="-122"/>
               </a:rPr>
               <a:t>	</a:t>
             </a:r>
             <a:r>
-              <a:rPr lang="en-US" altLang="zh-CN" sz="2800" dirty="0" smtClean="0">
+              <a:rPr lang="en-US" altLang="zh-CN" sz="2800" dirty="0">
                 <a:latin typeface="微软雅黑" pitchFamily="34" charset="-122"/>
                 <a:ea typeface="微软雅黑" pitchFamily="34" charset="-122"/>
               </a:rPr>
               <a:t>Dep</a:t>
             </a:r>
             <a:r>
-              <a:rPr lang="zh-CN" altLang="en-US" sz="2800" dirty="0" smtClean="0">
+              <a:rPr lang="zh-CN" altLang="en-US" sz="2800" dirty="0">
                 <a:latin typeface="微软雅黑" pitchFamily="34" charset="-122"/>
                 <a:ea typeface="微软雅黑" pitchFamily="34" charset="-122"/>
               </a:rPr>
               <a:t>（订阅器）</a:t>
             </a:r>
             <a:r>
-              <a:rPr lang="en-US" altLang="zh-CN" sz="2800" dirty="0" smtClean="0">
+              <a:rPr lang="en-US" altLang="zh-CN" sz="2800" dirty="0">
                 <a:latin typeface="微软雅黑" pitchFamily="34" charset="-122"/>
                 <a:ea typeface="微软雅黑" pitchFamily="34" charset="-122"/>
               </a:rPr>
@@ -58643,49 +58815,49 @@
               </a:lnSpc>
             </a:pPr>
             <a:r>
-              <a:rPr lang="en-US" altLang="zh-CN" sz="2000" dirty="0" smtClean="0">
+              <a:rPr lang="en-US" altLang="zh-CN" sz="2000" dirty="0">
                 <a:latin typeface="微软雅黑" pitchFamily="34" charset="-122"/>
                 <a:ea typeface="微软雅黑" pitchFamily="34" charset="-122"/>
               </a:rPr>
               <a:t>	1</a:t>
             </a:r>
             <a:r>
-              <a:rPr lang="zh-CN" altLang="en-US" sz="2000" dirty="0" smtClean="0">
+              <a:rPr lang="zh-CN" altLang="en-US" sz="2000" dirty="0">
                 <a:latin typeface="微软雅黑" pitchFamily="34" charset="-122"/>
                 <a:ea typeface="微软雅黑" pitchFamily="34" charset="-122"/>
               </a:rPr>
               <a:t>、</a:t>
             </a:r>
             <a:r>
-              <a:rPr lang="en-US" altLang="zh-CN" sz="2000" dirty="0" smtClean="0">
+              <a:rPr lang="en-US" altLang="zh-CN" sz="2000" dirty="0">
                 <a:latin typeface="微软雅黑" pitchFamily="34" charset="-122"/>
                 <a:ea typeface="微软雅黑" pitchFamily="34" charset="-122"/>
               </a:rPr>
               <a:t>setter</a:t>
             </a:r>
             <a:r>
-              <a:rPr lang="zh-CN" altLang="en-US" sz="2000" dirty="0" smtClean="0">
+              <a:rPr lang="zh-CN" altLang="en-US" sz="2000" dirty="0">
                 <a:latin typeface="微软雅黑" pitchFamily="34" charset="-122"/>
                 <a:ea typeface="微软雅黑" pitchFamily="34" charset="-122"/>
               </a:rPr>
               <a:t>中</a:t>
             </a:r>
             <a:r>
-              <a:rPr lang="en-US" altLang="zh-CN" sz="2000" dirty="0" smtClean="0">
+              <a:rPr lang="en-US" altLang="zh-CN" sz="2000" dirty="0">
                 <a:latin typeface="微软雅黑" pitchFamily="34" charset="-122"/>
                 <a:ea typeface="微软雅黑" pitchFamily="34" charset="-122"/>
               </a:rPr>
               <a:t>push</a:t>
             </a:r>
             <a:r>
-              <a:rPr lang="zh-CN" altLang="en-US" sz="2000" dirty="0" smtClean="0">
+              <a:rPr lang="zh-CN" altLang="en-US" sz="2000" dirty="0">
                 <a:latin typeface="微软雅黑" pitchFamily="34" charset="-122"/>
                 <a:ea typeface="微软雅黑" pitchFamily="34" charset="-122"/>
               </a:rPr>
               <a:t>自身实例</a:t>
             </a:r>
             <a:r>
-              <a:rPr lang="en-US" altLang="zh-CN" sz="2000" dirty="0" smtClean="0">
+              <a:rPr lang="en-US" altLang="zh-CN" sz="2000" dirty="0">
                 <a:latin typeface="微软雅黑" pitchFamily="34" charset="-122"/>
                 <a:ea typeface="微软雅黑" pitchFamily="34" charset="-122"/>
               </a:rPr>
@@ -58699,35 +58871,28 @@
               </a:lnSpc>
             </a:pPr>
             <a:r>
-              <a:rPr lang="en-US" altLang="zh-CN" sz="2000" dirty="0" smtClean="0">
+              <a:rPr lang="en-US" altLang="zh-CN" sz="2000" dirty="0">
                 <a:latin typeface="微软雅黑" pitchFamily="34" charset="-122"/>
                 <a:ea typeface="微软雅黑" pitchFamily="34" charset="-122"/>
               </a:rPr>
-              <a:t>	</a:t>
+              <a:t>	2</a:t>
             </a:r>
             <a:r>
-              <a:rPr lang="en-US" altLang="zh-CN" sz="2000" dirty="0" smtClean="0">
-                <a:latin typeface="微软雅黑" pitchFamily="34" charset="-122"/>
-                <a:ea typeface="微软雅黑" pitchFamily="34" charset="-122"/>
-              </a:rPr>
-              <a:t>2</a:t>
-            </a:r>
-            <a:r>
-              <a:rPr lang="zh-CN" altLang="en-US" sz="2000" dirty="0" smtClean="0">
+              <a:rPr lang="zh-CN" altLang="en-US" sz="2000" dirty="0">
                 <a:latin typeface="微软雅黑" pitchFamily="34" charset="-122"/>
                 <a:ea typeface="微软雅黑" pitchFamily="34" charset="-122"/>
               </a:rPr>
               <a:t>、</a:t>
             </a:r>
             <a:r>
-              <a:rPr lang="en-US" altLang="zh-CN" sz="2000" dirty="0" smtClean="0">
+              <a:rPr lang="en-US" altLang="zh-CN" sz="2000" dirty="0">
                 <a:latin typeface="微软雅黑" pitchFamily="34" charset="-122"/>
                 <a:ea typeface="微软雅黑" pitchFamily="34" charset="-122"/>
               </a:rPr>
               <a:t>getter</a:t>
             </a:r>
             <a:r>
-              <a:rPr lang="zh-CN" altLang="en-US" sz="2000" dirty="0" smtClean="0">
+              <a:rPr lang="zh-CN" altLang="en-US" sz="2000" dirty="0">
                 <a:latin typeface="微软雅黑" pitchFamily="34" charset="-122"/>
                 <a:ea typeface="微软雅黑" pitchFamily="34" charset="-122"/>
               </a:rPr>
@@ -58746,13 +58911,6 @@
     <a:masterClrMapping/>
   </p:clrMapOvr>
   <p:transition spd="slow" advClick="0"/>
-  <p:timing>
-    <p:tnLst>
-      <p:par>
-        <p:cTn id="1" dur="indefinite" restart="never" nodeType="tmRoot"/>
-      </p:par>
-    </p:tnLst>
-  </p:timing>
 </p:sld>
 </file>
 
@@ -61318,7 +61476,7 @@
             <a:p>
               <a:pPr algn="ctr"/>
               <a:r>
-                <a:rPr lang="en-US" altLang="zh-CN" sz="2000" b="1" dirty="0" smtClean="0">
+                <a:rPr lang="en-US" altLang="zh-CN" sz="2000" b="1" dirty="0">
                   <a:solidFill>
                     <a:schemeClr val="bg1"/>
                   </a:solidFill>
@@ -61477,7 +61635,7 @@
               </a:lnSpc>
             </a:pPr>
             <a:r>
-              <a:rPr lang="en-US" altLang="zh-CN" sz="2000" dirty="0" smtClean="0">
+              <a:rPr lang="en-US" altLang="zh-CN" sz="2000" dirty="0">
                 <a:latin typeface="微软雅黑" pitchFamily="34" charset="-122"/>
                 <a:ea typeface="微软雅黑" pitchFamily="34" charset="-122"/>
               </a:rPr>
@@ -61491,7 +61649,7 @@
               </a:lnSpc>
             </a:pPr>
             <a:r>
-              <a:rPr lang="en-US" altLang="zh-CN" sz="2000" dirty="0" smtClean="0">
+              <a:rPr lang="en-US" altLang="zh-CN" sz="2000" dirty="0">
                 <a:latin typeface="微软雅黑" pitchFamily="34" charset="-122"/>
                 <a:ea typeface="微软雅黑" pitchFamily="34" charset="-122"/>
               </a:rPr>
@@ -61536,13 +61694,6 @@
     <a:masterClrMapping/>
   </p:clrMapOvr>
   <p:transition spd="slow" advClick="0"/>
-  <p:timing>
-    <p:tnLst>
-      <p:par>
-        <p:cTn id="1" dur="indefinite" restart="never" nodeType="tmRoot"/>
-      </p:par>
-    </p:tnLst>
-  </p:timing>
 </p:sld>
 </file>
 
